--- a/55a184dc-b69d-49f0-856b-b917f2095e0e.pptx
+++ b/55a184dc-b69d-49f0-856b-b917f2095e0e.pptx
@@ -2,24 +2,25 @@
 <file path=ppt/presentation.xml><?xml version="1.0" encoding="utf-8"?>
 <p:presentation xmlns:p="http://schemas.openxmlformats.org/presentationml/2006/main" xmlns:r="http://schemas.openxmlformats.org/officeDocument/2006/relationships" xmlns:a="http://schemas.openxmlformats.org/drawingml/2006/main">
   <p:sldMasterIdLst>
-    <p:sldMasterId id="2147483648" r:id="rId1"/>
+    <p:sldMasterId id="2147483661" r:id="rId1"/>
   </p:sldMasterIdLst>
   <p:notesMasterIdLst>
     <p:notesMasterId r:id="rId2"/>
   </p:notesMasterIdLst>
   <p:sldIdLst>
-    <p:sldId id="257" r:id="rId3"/>
-    <p:sldId id="258" r:id="rId4"/>
-    <p:sldId id="259" r:id="rId5"/>
-    <p:sldId id="260" r:id="rId6"/>
-    <p:sldId id="261" r:id="rId7"/>
-    <p:sldId id="262" r:id="rId8"/>
-    <p:sldId id="263" r:id="rId9"/>
-    <p:sldId id="264" r:id="rId10"/>
-    <p:sldId id="265" r:id="rId11"/>
-    <p:sldId id="266" r:id="rId12"/>
-    <p:sldId id="267" r:id="rId13"/>
-    <p:sldId id="268" r:id="rId14"/>
+    <p:sldId id="282" r:id="rId3"/>
+    <p:sldId id="283" r:id="rId4"/>
+    <p:sldId id="284" r:id="rId5"/>
+    <p:sldId id="285" r:id="rId6"/>
+    <p:sldId id="286" r:id="rId7"/>
+    <p:sldId id="287" r:id="rId8"/>
+    <p:sldId id="288" r:id="rId9"/>
+    <p:sldId id="289" r:id="rId10"/>
+    <p:sldId id="290" r:id="rId11"/>
+    <p:sldId id="291" r:id="rId12"/>
+    <p:sldId id="292" r:id="rId13"/>
+    <p:sldId id="293" r:id="rId14"/>
+    <p:sldId id="306" r:id="rId15"/>
   </p:sldIdLst>
   <p:sldSz type="screen16x9" cy="6858000" cx="12192000"/>
   <p:notesSz cx="6857895" cy="9143861"/>
@@ -610,7 +611,7 @@
   <p:cSld>
     <p:spTree>
       <p:nvGrpSpPr>
-        <p:cNvPr id="45" name=""/>
+        <p:cNvPr id="42" name=""/>
         <p:cNvGrpSpPr/>
         <p:nvPr/>
       </p:nvGrpSpPr>
@@ -624,7 +625,7 @@
       </p:grpSpPr>
       <p:sp>
         <p:nvSpPr>
-          <p:cNvPr id="1048604" name="文本框"/>
+          <p:cNvPr id="1048600" name="文本框"/>
           <p:cNvSpPr>
             <a:spLocks noGrp="1"/>
           </p:cNvSpPr>
@@ -636,7 +637,7 @@
       </p:sp>
       <p:sp>
         <p:nvSpPr>
-          <p:cNvPr id="1048605" name="文本框"/>
+          <p:cNvPr id="1048601" name="文本框"/>
           <p:cNvSpPr>
             <a:spLocks noGrp="1"/>
           </p:cNvSpPr>
@@ -654,7 +655,7 @@
       </p:sp>
       <p:sp>
         <p:nvSpPr>
-          <p:cNvPr id="1048606" name="文本框"/>
+          <p:cNvPr id="1048602" name="文本框"/>
           <p:cNvSpPr>
             <a:spLocks noGrp="1"/>
           </p:cNvSpPr>
@@ -816,7 +817,7 @@
   <p:cSld>
     <p:spTree>
       <p:nvGrpSpPr>
-        <p:cNvPr id="30" name=""/>
+        <p:cNvPr id="33" name=""/>
         <p:cNvGrpSpPr/>
         <p:nvPr/>
       </p:nvGrpSpPr>
@@ -830,7 +831,7 @@
       </p:grpSpPr>
       <p:sp>
         <p:nvSpPr>
-          <p:cNvPr id="1048584" name="文本框"/>
+          <p:cNvPr id="1048588" name="文本框"/>
           <p:cNvSpPr>
             <a:spLocks noGrp="1"/>
           </p:cNvSpPr>
@@ -842,7 +843,7 @@
       </p:sp>
       <p:sp>
         <p:nvSpPr>
-          <p:cNvPr id="1048585" name="文本框"/>
+          <p:cNvPr id="1048589" name="文本框"/>
           <p:cNvSpPr>
             <a:spLocks noGrp="1"/>
           </p:cNvSpPr>
@@ -860,7 +861,7 @@
       </p:sp>
       <p:sp>
         <p:nvSpPr>
-          <p:cNvPr id="1048586" name="文本框"/>
+          <p:cNvPr id="1048590" name="文本框"/>
           <p:cNvSpPr>
             <a:spLocks noGrp="1"/>
           </p:cNvSpPr>
@@ -919,7 +920,7 @@
   <p:cSld>
     <p:spTree>
       <p:nvGrpSpPr>
-        <p:cNvPr id="33" name=""/>
+        <p:cNvPr id="30" name=""/>
         <p:cNvGrpSpPr/>
         <p:nvPr/>
       </p:nvGrpSpPr>
@@ -933,7 +934,7 @@
       </p:grpSpPr>
       <p:sp>
         <p:nvSpPr>
-          <p:cNvPr id="1048588" name="文本框"/>
+          <p:cNvPr id="1048585" name="文本框"/>
           <p:cNvSpPr>
             <a:spLocks noGrp="1"/>
           </p:cNvSpPr>
@@ -945,7 +946,7 @@
       </p:sp>
       <p:sp>
         <p:nvSpPr>
-          <p:cNvPr id="1048589" name="文本框"/>
+          <p:cNvPr id="1048586" name="文本框"/>
           <p:cNvSpPr>
             <a:spLocks noGrp="1"/>
           </p:cNvSpPr>
@@ -963,7 +964,7 @@
       </p:sp>
       <p:sp>
         <p:nvSpPr>
-          <p:cNvPr id="1048590" name="文本框"/>
+          <p:cNvPr id="1048587" name="文本框"/>
           <p:cNvSpPr>
             <a:spLocks noGrp="1"/>
           </p:cNvSpPr>
@@ -1018,6 +1019,109 @@
 </file>
 
 <file path=ppt/notesSlides/notesSlide2.xml><?xml version="1.0" encoding="utf-8"?>
+<p:notes xmlns:a="http://schemas.openxmlformats.org/drawingml/2006/main" xmlns:r="http://schemas.openxmlformats.org/officeDocument/2006/relationships" xmlns:p="http://schemas.openxmlformats.org/presentationml/2006/main">
+  <p:cSld>
+    <p:spTree>
+      <p:nvGrpSpPr>
+        <p:cNvPr id="45" name=""/>
+        <p:cNvGrpSpPr/>
+        <p:nvPr/>
+      </p:nvGrpSpPr>
+      <p:grpSpPr>
+        <a:xfrm>
+          <a:off x="0" y="0"/>
+          <a:ext cx="0" cy="0"/>
+          <a:chOff x="0" y="0"/>
+          <a:chExt cx="0" cy="0"/>
+        </a:xfrm>
+      </p:grpSpPr>
+      <p:sp>
+        <p:nvSpPr>
+          <p:cNvPr id="1048604" name="文本框"/>
+          <p:cNvSpPr>
+            <a:spLocks noGrp="1"/>
+          </p:cNvSpPr>
+          <p:nvPr>
+            <p:ph type="sldImg"/>
+          </p:nvPr>
+        </p:nvSpPr>
+        <p:spPr/>
+      </p:sp>
+      <p:sp>
+        <p:nvSpPr>
+          <p:cNvPr id="1048605" name="文本框"/>
+          <p:cNvSpPr>
+            <a:spLocks noGrp="1"/>
+          </p:cNvSpPr>
+          <p:nvPr>
+            <p:ph type="body" idx="1"/>
+          </p:nvPr>
+        </p:nvSpPr>
+        <p:spPr/>
+        <p:txBody>
+          <a:bodyPr/>
+          <a:p>
+            <a:endParaRPr altLang="en-US" lang="zh-CN"/>
+          </a:p>
+        </p:txBody>
+      </p:sp>
+      <p:sp>
+        <p:nvSpPr>
+          <p:cNvPr id="1048606" name="文本框"/>
+          <p:cNvSpPr>
+            <a:spLocks noGrp="1"/>
+          </p:cNvSpPr>
+          <p:nvPr>
+            <p:ph type="sldNum" idx="5"/>
+          </p:nvPr>
+        </p:nvSpPr>
+        <p:spPr>
+          <a:xfrm rot="0">
+            <a:off x="3884613" y="8685213"/>
+            <a:ext cx="2971800" cy="458787"/>
+          </a:xfrm>
+          <a:prstGeom prst="rect"/>
+          <a:noFill/>
+          <a:ln w="12700" cap="flat" cmpd="sng">
+            <a:noFill/>
+            <a:prstDash val="solid"/>
+            <a:miter/>
+          </a:ln>
+        </p:spPr>
+        <p:txBody>
+          <a:bodyPr anchor="b" anchorCtr="0" bIns="45720" lIns="91440" rIns="91440" tIns="45720" vert="horz" wrap="square">
+            <a:prstTxWarp prst="textNoShape"/>
+          </a:bodyPr>
+          <a:p>
+            <a:pPr algn="r"/>
+            <a:fld id="{CAD2D6BD-DE1B-4B5F-8B41-2702339687B9}" type="slidenum">
+              <a:rPr altLang="zh-CN" baseline="0" b="0" cap="none" sz="1200" i="0" kern="1200" lang="en-US" spc="0" strike="noStrike" u="none">
+                <a:solidFill>
+                  <a:schemeClr val="tx1"/>
+                </a:solidFill>
+                <a:latin typeface="Calibri" pitchFamily="0" charset="0"/>
+                <a:ea typeface="宋体" pitchFamily="0" charset="0"/>
+                <a:cs typeface="Calibri" pitchFamily="0" charset="0"/>
+              </a:rPr>
+              <a:t>2</a:t>
+            </a:fld>
+            <a:endParaRPr altLang="en-US" sz="1200" lang="zh-CN">
+              <a:latin typeface="Calibri" pitchFamily="0" charset="0"/>
+              <a:ea typeface="宋体" pitchFamily="0" charset="0"/>
+              <a:cs typeface="Calibri" pitchFamily="0" charset="0"/>
+            </a:endParaRPr>
+          </a:p>
+        </p:txBody>
+      </p:sp>
+    </p:spTree>
+  </p:cSld>
+  <p:clrMapOvr>
+    <a:masterClrMapping/>
+  </p:clrMapOvr>
+</p:notes>
+</file>
+
+<file path=ppt/notesSlides/notesSlide3.xml><?xml version="1.0" encoding="utf-8"?>
 <p:notes xmlns:a="http://schemas.openxmlformats.org/drawingml/2006/main" xmlns:r="http://schemas.openxmlformats.org/officeDocument/2006/relationships" xmlns:p="http://schemas.openxmlformats.org/presentationml/2006/main">
   <p:cSld>
     <p:spTree>
@@ -1102,7 +1206,7 @@
                 <a:ea typeface="宋体" pitchFamily="0" charset="0"/>
                 <a:cs typeface="Calibri" pitchFamily="0" charset="0"/>
               </a:rPr>
-              <a:t>2</a:t>
+              <a:t>3</a:t>
             </a:fld>
             <a:endParaRPr altLang="en-US" sz="1200" lang="zh-CN">
               <a:latin typeface="Calibri" pitchFamily="0" charset="0"/>
@@ -1120,7 +1224,7 @@
 </p:notes>
 </file>
 
-<file path=ppt/notesSlides/notesSlide3.xml><?xml version="1.0" encoding="utf-8"?>
+<file path=ppt/notesSlides/notesSlide4.xml><?xml version="1.0" encoding="utf-8"?>
 <p:notes xmlns:a="http://schemas.openxmlformats.org/drawingml/2006/main" xmlns:r="http://schemas.openxmlformats.org/officeDocument/2006/relationships" xmlns:p="http://schemas.openxmlformats.org/presentationml/2006/main">
   <p:cSld>
     <p:spTree>
@@ -1205,7 +1309,7 @@
                 <a:ea typeface="宋体" pitchFamily="0" charset="0"/>
                 <a:cs typeface="Calibri" pitchFamily="0" charset="0"/>
               </a:rPr>
-              <a:t>3</a:t>
+              <a:t>4</a:t>
             </a:fld>
             <a:endParaRPr altLang="en-US" sz="1200" lang="zh-CN">
               <a:latin typeface="Calibri" pitchFamily="0" charset="0"/>
@@ -1223,7 +1327,7 @@
 </p:notes>
 </file>
 
-<file path=ppt/notesSlides/notesSlide4.xml><?xml version="1.0" encoding="utf-8"?>
+<file path=ppt/notesSlides/notesSlide5.xml><?xml version="1.0" encoding="utf-8"?>
 <p:notes xmlns:a="http://schemas.openxmlformats.org/drawingml/2006/main" xmlns:r="http://schemas.openxmlformats.org/officeDocument/2006/relationships" xmlns:p="http://schemas.openxmlformats.org/presentationml/2006/main">
   <p:cSld>
     <p:spTree>
@@ -1308,7 +1412,7 @@
                 <a:ea typeface="宋体" pitchFamily="0" charset="0"/>
                 <a:cs typeface="Calibri" pitchFamily="0" charset="0"/>
               </a:rPr>
-              <a:t>4</a:t>
+              <a:t>5</a:t>
             </a:fld>
             <a:endParaRPr altLang="en-US" sz="1200" lang="zh-CN">
               <a:latin typeface="Calibri" pitchFamily="0" charset="0"/>
@@ -1326,7 +1430,7 @@
 </p:notes>
 </file>
 
-<file path=ppt/notesSlides/notesSlide5.xml><?xml version="1.0" encoding="utf-8"?>
+<file path=ppt/notesSlides/notesSlide6.xml><?xml version="1.0" encoding="utf-8"?>
 <p:notes xmlns:a="http://schemas.openxmlformats.org/drawingml/2006/main" xmlns:r="http://schemas.openxmlformats.org/officeDocument/2006/relationships" xmlns:p="http://schemas.openxmlformats.org/presentationml/2006/main">
   <p:cSld>
     <p:spTree>
@@ -1411,7 +1515,7 @@
                 <a:ea typeface="宋体" pitchFamily="0" charset="0"/>
                 <a:cs typeface="Calibri" pitchFamily="0" charset="0"/>
               </a:rPr>
-              <a:t>5</a:t>
+              <a:t>6</a:t>
             </a:fld>
             <a:endParaRPr altLang="en-US" sz="1200" lang="zh-CN">
               <a:latin typeface="Calibri" pitchFamily="0" charset="0"/>
@@ -1429,7 +1533,7 @@
 </p:notes>
 </file>
 
-<file path=ppt/notesSlides/notesSlide6.xml><?xml version="1.0" encoding="utf-8"?>
+<file path=ppt/notesSlides/notesSlide7.xml><?xml version="1.0" encoding="utf-8"?>
 <p:notes xmlns:a="http://schemas.openxmlformats.org/drawingml/2006/main" xmlns:r="http://schemas.openxmlformats.org/officeDocument/2006/relationships" xmlns:p="http://schemas.openxmlformats.org/presentationml/2006/main">
   <p:cSld>
     <p:spTree>
@@ -1514,7 +1618,7 @@
                 <a:ea typeface="宋体" pitchFamily="0" charset="0"/>
                 <a:cs typeface="Calibri" pitchFamily="0" charset="0"/>
               </a:rPr>
-              <a:t>6</a:t>
+              <a:t>7</a:t>
             </a:fld>
             <a:endParaRPr altLang="en-US" sz="1200" lang="zh-CN">
               <a:latin typeface="Calibri" pitchFamily="0" charset="0"/>
@@ -1532,7 +1636,7 @@
 </p:notes>
 </file>
 
-<file path=ppt/notesSlides/notesSlide7.xml><?xml version="1.0" encoding="utf-8"?>
+<file path=ppt/notesSlides/notesSlide8.xml><?xml version="1.0" encoding="utf-8"?>
 <p:notes xmlns:a="http://schemas.openxmlformats.org/drawingml/2006/main" xmlns:r="http://schemas.openxmlformats.org/officeDocument/2006/relationships" xmlns:p="http://schemas.openxmlformats.org/presentationml/2006/main">
   <p:cSld>
     <p:spTree>
@@ -1582,109 +1686,6 @@
       <p:sp>
         <p:nvSpPr>
           <p:cNvPr id="1048630" name="文本框"/>
-          <p:cNvSpPr>
-            <a:spLocks noGrp="1"/>
-          </p:cNvSpPr>
-          <p:nvPr>
-            <p:ph type="sldNum" idx="5"/>
-          </p:nvPr>
-        </p:nvSpPr>
-        <p:spPr>
-          <a:xfrm rot="0">
-            <a:off x="3884613" y="8685213"/>
-            <a:ext cx="2971800" cy="458787"/>
-          </a:xfrm>
-          <a:prstGeom prst="rect"/>
-          <a:noFill/>
-          <a:ln w="12700" cap="flat" cmpd="sng">
-            <a:noFill/>
-            <a:prstDash val="solid"/>
-            <a:miter/>
-          </a:ln>
-        </p:spPr>
-        <p:txBody>
-          <a:bodyPr anchor="b" anchorCtr="0" bIns="45720" lIns="91440" rIns="91440" tIns="45720" vert="horz" wrap="square">
-            <a:prstTxWarp prst="textNoShape"/>
-          </a:bodyPr>
-          <a:p>
-            <a:pPr algn="r"/>
-            <a:fld id="{CAD2D6BD-DE1B-4B5F-8B41-2702339687B9}" type="slidenum">
-              <a:rPr altLang="zh-CN" baseline="0" b="0" cap="none" sz="1200" i="0" kern="1200" lang="en-US" spc="0" strike="noStrike" u="none">
-                <a:solidFill>
-                  <a:schemeClr val="tx1"/>
-                </a:solidFill>
-                <a:latin typeface="Calibri" pitchFamily="0" charset="0"/>
-                <a:ea typeface="宋体" pitchFamily="0" charset="0"/>
-                <a:cs typeface="Calibri" pitchFamily="0" charset="0"/>
-              </a:rPr>
-              <a:t>7</a:t>
-            </a:fld>
-            <a:endParaRPr altLang="en-US" sz="1200" lang="zh-CN">
-              <a:latin typeface="Calibri" pitchFamily="0" charset="0"/>
-              <a:ea typeface="宋体" pitchFamily="0" charset="0"/>
-              <a:cs typeface="Calibri" pitchFamily="0" charset="0"/>
-            </a:endParaRPr>
-          </a:p>
-        </p:txBody>
-      </p:sp>
-    </p:spTree>
-  </p:cSld>
-  <p:clrMapOvr>
-    <a:masterClrMapping/>
-  </p:clrMapOvr>
-</p:notes>
-</file>
-
-<file path=ppt/notesSlides/notesSlide8.xml><?xml version="1.0" encoding="utf-8"?>
-<p:notes xmlns:a="http://schemas.openxmlformats.org/drawingml/2006/main" xmlns:r="http://schemas.openxmlformats.org/officeDocument/2006/relationships" xmlns:p="http://schemas.openxmlformats.org/presentationml/2006/main">
-  <p:cSld>
-    <p:spTree>
-      <p:nvGrpSpPr>
-        <p:cNvPr id="42" name=""/>
-        <p:cNvGrpSpPr/>
-        <p:nvPr/>
-      </p:nvGrpSpPr>
-      <p:grpSpPr>
-        <a:xfrm>
-          <a:off x="0" y="0"/>
-          <a:ext cx="0" cy="0"/>
-          <a:chOff x="0" y="0"/>
-          <a:chExt cx="0" cy="0"/>
-        </a:xfrm>
-      </p:grpSpPr>
-      <p:sp>
-        <p:nvSpPr>
-          <p:cNvPr id="1048600" name="文本框"/>
-          <p:cNvSpPr>
-            <a:spLocks noGrp="1"/>
-          </p:cNvSpPr>
-          <p:nvPr>
-            <p:ph type="sldImg"/>
-          </p:nvPr>
-        </p:nvSpPr>
-        <p:spPr/>
-      </p:sp>
-      <p:sp>
-        <p:nvSpPr>
-          <p:cNvPr id="1048601" name="文本框"/>
-          <p:cNvSpPr>
-            <a:spLocks noGrp="1"/>
-          </p:cNvSpPr>
-          <p:nvPr>
-            <p:ph type="body" idx="1"/>
-          </p:nvPr>
-        </p:nvSpPr>
-        <p:spPr/>
-        <p:txBody>
-          <a:bodyPr/>
-          <a:p>
-            <a:endParaRPr altLang="en-US" lang="zh-CN"/>
-          </a:p>
-        </p:txBody>
-      </p:sp>
-      <p:sp>
-        <p:nvSpPr>
-          <p:cNvPr id="1048602" name="文本框"/>
           <p:cNvSpPr>
             <a:spLocks noGrp="1"/>
           </p:cNvSpPr>
@@ -4531,18 +4532,18 @@
   </p:cSld>
   <p:clrMap accent1="accent1" accent2="accent2" accent3="accent3" accent4="accent4" accent5="accent5" accent6="accent6" bg1="lt1" bg2="lt2" tx1="dk1" tx2="dk2" hlink="hlink" folHlink="folHlink"/>
   <p:sldLayoutIdLst>
-    <p:sldLayoutId id="2147483649" r:id="rId1"/>
-    <p:sldLayoutId id="2147483650" r:id="rId2"/>
-    <p:sldLayoutId id="2147483651" r:id="rId3"/>
-    <p:sldLayoutId id="2147483652" r:id="rId4"/>
-    <p:sldLayoutId id="2147483653" r:id="rId5"/>
-    <p:sldLayoutId id="2147483654" r:id="rId6"/>
-    <p:sldLayoutId id="2147483655" r:id="rId7"/>
-    <p:sldLayoutId id="2147483656" r:id="rId8"/>
-    <p:sldLayoutId id="2147483657" r:id="rId9"/>
-    <p:sldLayoutId id="2147483658" r:id="rId10"/>
-    <p:sldLayoutId id="2147483659" r:id="rId11"/>
-    <p:sldLayoutId id="2147483660" r:id="rId12"/>
+    <p:sldLayoutId id="2147483662" r:id="rId1"/>
+    <p:sldLayoutId id="2147483663" r:id="rId2"/>
+    <p:sldLayoutId id="2147483664" r:id="rId3"/>
+    <p:sldLayoutId id="2147483665" r:id="rId4"/>
+    <p:sldLayoutId id="2147483666" r:id="rId5"/>
+    <p:sldLayoutId id="2147483667" r:id="rId6"/>
+    <p:sldLayoutId id="2147483668" r:id="rId7"/>
+    <p:sldLayoutId id="2147483669" r:id="rId8"/>
+    <p:sldLayoutId id="2147483670" r:id="rId9"/>
+    <p:sldLayoutId id="2147483671" r:id="rId10"/>
+    <p:sldLayoutId id="2147483672" r:id="rId11"/>
+    <p:sldLayoutId id="2147483673" r:id="rId12"/>
   </p:sldLayoutIdLst>
   <p:hf dt="0" ftr="0" hdr="0" sldNum="0"/>
   <p:txStyles>
@@ -4733,7 +4734,7 @@
   <p:cSld>
     <p:spTree>
       <p:nvGrpSpPr>
-        <p:cNvPr id="43" name=""/>
+        <p:cNvPr id="40" name=""/>
         <p:cNvGrpSpPr/>
         <p:nvPr/>
       </p:nvGrpSpPr>
@@ -4747,7 +4748,7 @@
       </p:grpSpPr>
       <p:sp>
         <p:nvSpPr>
-          <p:cNvPr id="1048603" name="矩形"/>
+          <p:cNvPr id="1048599" name="矩形"/>
           <p:cNvSpPr/>
           <p:nvPr/>
         </p:nvSpPr>
@@ -5470,7 +5471,7 @@
     </p:bg>
     <p:spTree>
       <p:nvGrpSpPr>
-        <p:cNvPr id="28" name=""/>
+        <p:cNvPr id="31" name=""/>
         <p:cNvGrpSpPr/>
         <p:nvPr/>
       </p:nvGrpSpPr>
@@ -5552,7 +5553,7 @@
     </p:bg>
     <p:spTree>
       <p:nvGrpSpPr>
-        <p:cNvPr id="31" name=""/>
+        <p:cNvPr id="28" name=""/>
         <p:cNvGrpSpPr/>
         <p:nvPr/>
       </p:nvGrpSpPr>
@@ -5566,14 +5567,127 @@
       </p:grpSpPr>
       <p:sp>
         <p:nvSpPr>
-          <p:cNvPr id="1048587" name="矩形"/>
+          <p:cNvPr id="1048695" name=""/>
+          <p:cNvSpPr txBox="1"/>
+          <p:nvPr/>
+        </p:nvSpPr>
+        <p:spPr>
+          <a:xfrm>
+            <a:off x="1403116" y="3251200"/>
+            <a:ext cx="8274068" cy="929640"/>
+          </a:xfrm>
+          <a:prstGeom prst="rect"/>
+        </p:spPr>
+        <p:txBody>
+          <a:bodyPr rtlCol="0" wrap="square">
+            <a:spAutoFit/>
+          </a:bodyPr>
+          <a:p>
+            <a:r>
+              <a:rPr sz="2800" lang="en-GB">
+                <a:solidFill>
+                  <a:srgbClr val="000000"/>
+                </a:solidFill>
+              </a:rPr>
+              <a:t>https://github.com/kuttyanbuvinoth-cell/Vinoth_TNSDC_FWD_DP.git</a:t>
+            </a:r>
+            <a:endParaRPr sz="2800" lang="en-GB">
+              <a:solidFill>
+                <a:srgbClr val="000000"/>
+              </a:solidFill>
+            </a:endParaRPr>
+          </a:p>
+        </p:txBody>
+      </p:sp>
+    </p:spTree>
+  </p:cSld>
+  <p:clrMapOvr>
+    <a:masterClrMapping/>
+  </p:clrMapOvr>
+</p:sld>
+</file>
+
+<file path=ppt/slides/slide13.xml><?xml version="1.0" encoding="utf-8"?>
+<p:sld xmlns:a="http://schemas.openxmlformats.org/drawingml/2006/main" xmlns:r="http://schemas.openxmlformats.org/officeDocument/2006/relationships" xmlns:p="http://schemas.openxmlformats.org/presentationml/2006/main">
+  <p:cSld>
+    <p:spTree>
+      <p:nvGrpSpPr>
+        <p:cNvPr id="76" name=""/>
+        <p:cNvGrpSpPr/>
+        <p:nvPr/>
+      </p:nvGrpSpPr>
+      <p:grpSpPr>
+        <a:xfrm>
+          <a:off x="0" y="0"/>
+          <a:ext cx="0" cy="0"/>
+          <a:chOff x="0" y="0"/>
+          <a:chExt cx="0" cy="0"/>
+        </a:xfrm>
+      </p:grpSpPr>
+      <p:pic>
+        <p:nvPicPr>
+          <p:cNvPr id="2097156" name=""/>
+          <p:cNvPicPr>
+            <a:picLocks/>
+          </p:cNvPicPr>
+          <p:nvPr/>
+        </p:nvPicPr>
+        <p:blipFill>
+          <a:blip xmlns:r="http://schemas.openxmlformats.org/officeDocument/2006/relationships" r:embed="rId1"/>
+          <a:stretch>
+            <a:fillRect/>
+          </a:stretch>
+        </p:blipFill>
+        <p:spPr>
+          <a:xfrm rot="0">
+            <a:off x="0" y="129392"/>
+            <a:ext cx="12192000" cy="6599216"/>
+          </a:xfrm>
+          <a:prstGeom prst="rect"/>
+        </p:spPr>
+      </p:pic>
+    </p:spTree>
+  </p:cSld>
+  <p:clrMapOvr>
+    <a:masterClrMapping/>
+  </p:clrMapOvr>
+</p:sld>
+</file>
+
+<file path=ppt/slides/slide2.xml><?xml version="1.0" encoding="utf-8"?>
+<p:sld xmlns:a="http://schemas.openxmlformats.org/drawingml/2006/main" xmlns:r="http://schemas.openxmlformats.org/officeDocument/2006/relationships" xmlns:p="http://schemas.openxmlformats.org/presentationml/2006/main">
+  <p:cSld>
+    <p:bg>
+      <p:bgPr>
+        <a:solidFill>
+          <a:schemeClr val="bg1"/>
+        </a:solidFill>
+      </p:bgPr>
+    </p:bg>
+    <p:spTree>
+      <p:nvGrpSpPr>
+        <p:cNvPr id="43" name=""/>
+        <p:cNvGrpSpPr/>
+        <p:nvPr/>
+      </p:nvGrpSpPr>
+      <p:grpSpPr>
+        <a:xfrm>
+          <a:off x="0" y="0"/>
+          <a:ext cx="0" cy="0"/>
+          <a:chOff x="0" y="0"/>
+          <a:chExt cx="0" cy="0"/>
+        </a:xfrm>
+      </p:grpSpPr>
+      <p:sp>
+        <p:nvSpPr>
+          <p:cNvPr id="1048603" name="矩形"/>
           <p:cNvSpPr/>
           <p:nvPr/>
         </p:nvSpPr>
         <p:spPr>
           <a:xfrm rot="0">
-            <a:off x="0" y="0"/>
-            <a:ext cx="11892915" cy="6777990"/>
+            <a:off x="337820" y="234950"/>
+            <a:ext cx="10503535" cy="5248274"/>
           </a:xfrm>
           <a:prstGeom prst="rect"/>
           <a:noFill/>
@@ -5601,7 +5715,7 @@
               <a:buNone/>
             </a:pPr>
             <a:r>
-              <a:rPr altLang="zh-CN" baseline="0" b="1" cap="none" sz="4400" i="0" kern="1200" lang="en-US" spc="0" strike="noStrike" u="none">
+              <a:rPr altLang="zh-CN" baseline="0" b="1" cap="none" sz="4000" i="0" kern="1200" lang="en-US" spc="0" strike="noStrike" u="none">
                 <a:solidFill>
                   <a:srgbClr val="404040"/>
                 </a:solidFill>
@@ -5609,19 +5723,19 @@
                 <a:ea typeface="quote-cjk-patch" pitchFamily="0" charset="0"/>
                 <a:cs typeface="Arial" pitchFamily="0" charset="0"/>
               </a:rPr>
-              <a:t>Conclusion</a:t>
-            </a:r>
-            <a:endParaRPr altLang="zh-CN" baseline="0" b="1" cap="none" sz="4400" i="0" kern="1200" lang="en-US" spc="0" strike="noStrike" u="none">
-              <a:solidFill>
-                <a:srgbClr val="404040"/>
-              </a:solidFill>
-              <a:latin typeface="quote-cjk-patch" pitchFamily="0" charset="0"/>
-              <a:ea typeface="quote-cjk-patch" pitchFamily="0" charset="0"/>
-              <a:cs typeface="Arial" pitchFamily="0" charset="0"/>
-            </a:endParaRPr>
-          </a:p>
-          <a:p>
-            <a:pPr algn="ctr" indent="0" marL="0">
+              <a:t>Project Title</a:t>
+            </a:r>
+            <a:endParaRPr altLang="zh-CN" baseline="0" b="1" cap="none" sz="4000" i="0" kern="1200" lang="en-US" spc="0" strike="noStrike" u="none">
+              <a:solidFill>
+                <a:srgbClr val="404040"/>
+              </a:solidFill>
+              <a:latin typeface="quote-cjk-patch" pitchFamily="0" charset="0"/>
+              <a:ea typeface="quote-cjk-patch" pitchFamily="0" charset="0"/>
+              <a:cs typeface="Arial" pitchFamily="0" charset="0"/>
+            </a:endParaRPr>
+          </a:p>
+          <a:p>
+            <a:pPr algn="l" indent="0" marL="0">
               <a:lnSpc>
                 <a:spcPct val="100000"/>
               </a:lnSpc>
@@ -5633,7 +5747,7 @@
               </a:spcAft>
               <a:buNone/>
             </a:pPr>
-            <a:endParaRPr altLang="zh-CN" baseline="0" b="1" cap="none" sz="1800" i="0" kern="1200" lang="en-US" spc="0" strike="noStrike" u="none">
+            <a:endParaRPr altLang="zh-CN" baseline="0" b="1" cap="none" sz="4000" i="0" kern="1200" lang="en-US" spc="0" strike="noStrike" u="none">
               <a:solidFill>
                 <a:srgbClr val="404040"/>
               </a:solidFill>
@@ -5648,15 +5762,15 @@
                 <a:spcPct val="100000"/>
               </a:lnSpc>
               <a:spcBef>
+                <a:spcPts val="900"/>
+              </a:spcBef>
+              <a:spcAft>
                 <a:spcPts val="600"/>
-              </a:spcBef>
-              <a:spcAft>
-                <a:spcPts val="600"/>
-              </a:spcAft>
-              <a:buNone/>
-            </a:pPr>
-            <a:r>
-              <a:rPr altLang="zh-CN" baseline="0" b="0" cap="none" sz="2800" i="0" kern="1200" lang="en-US" spc="0" strike="noStrike" u="none">
+              </a:spcAft>
+              <a:buNone/>
+            </a:pPr>
+            <a:r>
+              <a:rPr altLang="zh-CN" baseline="0" b="0" cap="none" sz="2500" i="0" kern="1200" lang="en-US" spc="0" strike="noStrike" u="none">
                 <a:solidFill>
                   <a:srgbClr val="404040"/>
                 </a:solidFill>
@@ -5664,9 +5778,9 @@
                 <a:ea typeface="quote-cjk-patch" pitchFamily="0" charset="0"/>
                 <a:cs typeface="Arial" pitchFamily="0" charset="0"/>
               </a:rPr>
-              <a:t>The "Smart Digital Portfolio" project successfully addresses the modern need for a dynamic and insightful professional presentation. By integrating traditional portfolio elements with powerful analytics and a personalized recommendation system, it empowers students to not only display their past achievements but also strategically plan their future skill development. This platform bridges the gap between students and opportunities effectively.</a:t>
-            </a:r>
-            <a:endParaRPr altLang="en-US" baseline="0" b="0" cap="none" sz="2800" i="0" kern="1200" lang="zh-CN" spc="0" strike="noStrike" u="none">
+              <a:t>Smart Digital Portfolio with Skill Analytics &amp; Recommendation</a:t>
+            </a:r>
+            <a:endParaRPr altLang="en-US" baseline="0" b="0" cap="none" sz="2500" i="0" kern="1200" lang="zh-CN" spc="0" strike="noStrike" u="none">
               <a:solidFill>
                 <a:srgbClr val="404040"/>
               </a:solidFill>
@@ -5685,7 +5799,7 @@
 </p:sld>
 </file>
 
-<file path=ppt/slides/slide2.xml><?xml version="1.0" encoding="utf-8"?>
+<file path=ppt/slides/slide3.xml><?xml version="1.0" encoding="utf-8"?>
 <p:sld xmlns:a="http://schemas.openxmlformats.org/drawingml/2006/main" xmlns:r="http://schemas.openxmlformats.org/officeDocument/2006/relationships" xmlns:p="http://schemas.openxmlformats.org/presentationml/2006/main">
   <p:cSld>
     <p:bg>
@@ -5717,8 +5831,8 @@
         </p:nvSpPr>
         <p:spPr>
           <a:xfrm rot="0">
-            <a:off x="337820" y="234950"/>
-            <a:ext cx="10503535" cy="5248274"/>
+            <a:off x="179704" y="188594"/>
+            <a:ext cx="11666219" cy="6564630"/>
           </a:xfrm>
           <a:prstGeom prst="rect"/>
           <a:noFill/>
@@ -5746,7 +5860,7 @@
               <a:buNone/>
             </a:pPr>
             <a:r>
-              <a:rPr altLang="zh-CN" baseline="0" b="1" cap="none" sz="4000" i="0" kern="1200" lang="en-US" spc="0" strike="noStrike" u="none">
+              <a:rPr altLang="zh-CN" baseline="0" b="0" cap="none" sz="1800" i="0" kern="1200" lang="en-US" spc="0" strike="noStrike" u="none">
                 <a:solidFill>
                   <a:srgbClr val="404040"/>
                 </a:solidFill>
@@ -5754,54 +5868,10 @@
                 <a:ea typeface="quote-cjk-patch" pitchFamily="0" charset="0"/>
                 <a:cs typeface="Arial" pitchFamily="0" charset="0"/>
               </a:rPr>
-              <a:t>Project Title</a:t>
-            </a:r>
-            <a:endParaRPr altLang="zh-CN" baseline="0" b="1" cap="none" sz="4000" i="0" kern="1200" lang="en-US" spc="0" strike="noStrike" u="none">
-              <a:solidFill>
-                <a:srgbClr val="404040"/>
-              </a:solidFill>
-              <a:latin typeface="quote-cjk-patch" pitchFamily="0" charset="0"/>
-              <a:ea typeface="quote-cjk-patch" pitchFamily="0" charset="0"/>
-              <a:cs typeface="Arial" pitchFamily="0" charset="0"/>
-            </a:endParaRPr>
-          </a:p>
-          <a:p>
-            <a:pPr algn="l" indent="0" marL="0">
-              <a:lnSpc>
-                <a:spcPct val="100000"/>
-              </a:lnSpc>
-              <a:spcBef>
-                <a:spcPts val="900"/>
-              </a:spcBef>
-              <a:spcAft>
-                <a:spcPts val="600"/>
-              </a:spcAft>
-              <a:buNone/>
-            </a:pPr>
-            <a:endParaRPr altLang="zh-CN" baseline="0" b="1" cap="none" sz="4000" i="0" kern="1200" lang="en-US" spc="0" strike="noStrike" u="none">
-              <a:solidFill>
-                <a:srgbClr val="404040"/>
-              </a:solidFill>
-              <a:latin typeface="quote-cjk-patch" pitchFamily="0" charset="0"/>
-              <a:ea typeface="quote-cjk-patch" pitchFamily="0" charset="0"/>
-              <a:cs typeface="Arial" pitchFamily="0" charset="0"/>
-            </a:endParaRPr>
-          </a:p>
-          <a:p>
-            <a:pPr algn="l" indent="0" marL="0">
-              <a:lnSpc>
-                <a:spcPct val="100000"/>
-              </a:lnSpc>
-              <a:spcBef>
-                <a:spcPts val="900"/>
-              </a:spcBef>
-              <a:spcAft>
-                <a:spcPts val="600"/>
-              </a:spcAft>
-              <a:buNone/>
-            </a:pPr>
-            <a:r>
-              <a:rPr altLang="zh-CN" baseline="0" b="0" cap="none" sz="2500" i="0" kern="1200" lang="en-US" spc="0" strike="noStrike" u="none">
+              <a:t>  </a:t>
+            </a:r>
+            <a:r>
+              <a:rPr altLang="zh-CN" baseline="0" b="1" cap="none" sz="4400" i="0" kern="1200" lang="en-US" spc="0" strike="noStrike" u="none">
                 <a:solidFill>
                   <a:srgbClr val="404040"/>
                 </a:solidFill>
@@ -5809,9 +5879,807 @@
                 <a:ea typeface="quote-cjk-patch" pitchFamily="0" charset="0"/>
                 <a:cs typeface="Arial" pitchFamily="0" charset="0"/>
               </a:rPr>
-              <a:t>Smart Digital Portfolio with Skill Analytics &amp; Recommendation</a:t>
-            </a:r>
-            <a:endParaRPr altLang="en-US" baseline="0" b="0" cap="none" sz="2500" i="0" kern="1200" lang="zh-CN" spc="0" strike="noStrike" u="none">
+              <a:t>Agenda</a:t>
+            </a:r>
+            <a:endParaRPr altLang="zh-CN" baseline="0" b="1" cap="none" sz="4400" i="0" kern="1200" lang="en-US" spc="0" strike="noStrike" u="none">
+              <a:solidFill>
+                <a:srgbClr val="404040"/>
+              </a:solidFill>
+              <a:latin typeface="quote-cjk-patch" pitchFamily="0" charset="0"/>
+              <a:ea typeface="quote-cjk-patch" pitchFamily="0" charset="0"/>
+              <a:cs typeface="Arial" pitchFamily="0" charset="0"/>
+            </a:endParaRPr>
+          </a:p>
+          <a:p>
+            <a:pPr algn="ctr" indent="0" marL="0">
+              <a:lnSpc>
+                <a:spcPct val="100000"/>
+              </a:lnSpc>
+              <a:spcBef>
+                <a:spcPts val="900"/>
+              </a:spcBef>
+              <a:spcAft>
+                <a:spcPts val="600"/>
+              </a:spcAft>
+              <a:buNone/>
+            </a:pPr>
+            <a:endParaRPr altLang="zh-CN" baseline="0" b="0" cap="none" sz="1800" i="0" kern="1200" lang="en-US" spc="0" strike="noStrike" u="none">
+              <a:solidFill>
+                <a:srgbClr val="404040"/>
+              </a:solidFill>
+              <a:latin typeface="quote-cjk-patch" pitchFamily="0" charset="0"/>
+              <a:ea typeface="quote-cjk-patch" pitchFamily="0" charset="0"/>
+              <a:cs typeface="Arial" pitchFamily="0" charset="0"/>
+            </a:endParaRPr>
+          </a:p>
+          <a:p>
+            <a:pPr algn="l" indent="0" marL="0">
+              <a:lnSpc>
+                <a:spcPts val="1430"/>
+              </a:lnSpc>
+              <a:spcBef>
+                <a:spcPts val="0"/>
+              </a:spcBef>
+              <a:spcAft>
+                <a:spcPts val="0"/>
+              </a:spcAft>
+              <a:buClrTx/>
+              <a:buAutoNum type="arabicPeriod"/>
+            </a:pPr>
+            <a:r>
+              <a:rPr altLang="zh-CN" baseline="0" b="0" cap="none" sz="2800" i="0" kern="1200" lang="en-US" spc="0" strike="noStrike" u="none">
+                <a:solidFill>
+                  <a:srgbClr val="404040"/>
+                </a:solidFill>
+                <a:latin typeface="quote-cjk-patch" pitchFamily="0" charset="0"/>
+                <a:ea typeface="quote-cjk-patch" pitchFamily="0" charset="0"/>
+                <a:cs typeface="Arial" pitchFamily="0" charset="0"/>
+              </a:rPr>
+              <a:t>Problem Statement</a:t>
+            </a:r>
+            <a:endParaRPr altLang="zh-CN" baseline="0" b="0" cap="none" sz="2800" i="0" kern="1200" lang="en-US" spc="0" strike="noStrike" u="none">
+              <a:solidFill>
+                <a:srgbClr val="404040"/>
+              </a:solidFill>
+              <a:latin typeface="quote-cjk-patch" pitchFamily="0" charset="0"/>
+              <a:ea typeface="quote-cjk-patch" pitchFamily="0" charset="0"/>
+              <a:cs typeface="Arial" pitchFamily="0" charset="0"/>
+            </a:endParaRPr>
+          </a:p>
+          <a:p>
+            <a:pPr algn="l" indent="0" marL="0">
+              <a:lnSpc>
+                <a:spcPts val="1430"/>
+              </a:lnSpc>
+              <a:spcBef>
+                <a:spcPts val="0"/>
+              </a:spcBef>
+              <a:spcAft>
+                <a:spcPts val="0"/>
+              </a:spcAft>
+              <a:buClrTx/>
+              <a:buAutoNum type="arabicPeriod"/>
+            </a:pPr>
+            <a:endParaRPr altLang="zh-CN" baseline="0" b="0" cap="none" sz="2800" i="0" kern="1200" lang="en-US" spc="0" strike="noStrike" u="none">
+              <a:solidFill>
+                <a:srgbClr val="404040"/>
+              </a:solidFill>
+              <a:latin typeface="quote-cjk-patch" pitchFamily="0" charset="0"/>
+              <a:ea typeface="quote-cjk-patch" pitchFamily="0" charset="0"/>
+              <a:cs typeface="Arial" pitchFamily="0" charset="0"/>
+            </a:endParaRPr>
+          </a:p>
+          <a:p>
+            <a:pPr algn="l" indent="0" marL="0">
+              <a:lnSpc>
+                <a:spcPts val="1430"/>
+              </a:lnSpc>
+              <a:spcBef>
+                <a:spcPts val="0"/>
+              </a:spcBef>
+              <a:spcAft>
+                <a:spcPts val="0"/>
+              </a:spcAft>
+              <a:buClrTx/>
+              <a:buAutoNum type="arabicPeriod"/>
+            </a:pPr>
+            <a:endParaRPr altLang="zh-CN" baseline="0" b="0" cap="none" sz="2800" i="0" kern="1200" lang="en-US" spc="0" strike="noStrike" u="none">
+              <a:solidFill>
+                <a:srgbClr val="404040"/>
+              </a:solidFill>
+              <a:latin typeface="quote-cjk-patch" pitchFamily="0" charset="0"/>
+              <a:ea typeface="quote-cjk-patch" pitchFamily="0" charset="0"/>
+              <a:cs typeface="Arial" pitchFamily="0" charset="0"/>
+            </a:endParaRPr>
+          </a:p>
+          <a:p>
+            <a:pPr algn="l" indent="0" marL="0">
+              <a:lnSpc>
+                <a:spcPts val="1430"/>
+              </a:lnSpc>
+              <a:spcBef>
+                <a:spcPts val="0"/>
+              </a:spcBef>
+              <a:spcAft>
+                <a:spcPts val="0"/>
+              </a:spcAft>
+              <a:buClrTx/>
+              <a:buAutoNum type="arabicPeriod"/>
+            </a:pPr>
+            <a:r>
+              <a:rPr altLang="zh-CN" baseline="0" b="0" cap="none" sz="2800" i="0" kern="1200" lang="en-US" spc="0" strike="noStrike" u="none">
+                <a:solidFill>
+                  <a:srgbClr val="404040"/>
+                </a:solidFill>
+                <a:latin typeface="quote-cjk-patch" pitchFamily="0" charset="0"/>
+                <a:ea typeface="quote-cjk-patch" pitchFamily="0" charset="0"/>
+                <a:cs typeface="Arial" pitchFamily="0" charset="0"/>
+              </a:rPr>
+              <a:t>Project Overview</a:t>
+            </a:r>
+            <a:endParaRPr altLang="zh-CN" baseline="0" b="0" cap="none" sz="2800" i="0" kern="1200" lang="en-US" spc="0" strike="noStrike" u="none">
+              <a:solidFill>
+                <a:srgbClr val="404040"/>
+              </a:solidFill>
+              <a:latin typeface="quote-cjk-patch" pitchFamily="0" charset="0"/>
+              <a:ea typeface="quote-cjk-patch" pitchFamily="0" charset="0"/>
+              <a:cs typeface="Arial" pitchFamily="0" charset="0"/>
+            </a:endParaRPr>
+          </a:p>
+          <a:p>
+            <a:pPr algn="l" indent="0" marL="0">
+              <a:lnSpc>
+                <a:spcPts val="1430"/>
+              </a:lnSpc>
+              <a:spcBef>
+                <a:spcPts val="0"/>
+              </a:spcBef>
+              <a:spcAft>
+                <a:spcPts val="0"/>
+              </a:spcAft>
+              <a:buClrTx/>
+              <a:buAutoNum type="arabicPeriod"/>
+            </a:pPr>
+            <a:endParaRPr altLang="zh-CN" baseline="0" b="0" cap="none" sz="2800" i="0" kern="1200" lang="en-US" spc="0" strike="noStrike" u="none">
+              <a:solidFill>
+                <a:srgbClr val="404040"/>
+              </a:solidFill>
+              <a:latin typeface="quote-cjk-patch" pitchFamily="0" charset="0"/>
+              <a:ea typeface="quote-cjk-patch" pitchFamily="0" charset="0"/>
+              <a:cs typeface="Arial" pitchFamily="0" charset="0"/>
+            </a:endParaRPr>
+          </a:p>
+          <a:p>
+            <a:pPr algn="l" indent="0" marL="0">
+              <a:lnSpc>
+                <a:spcPts val="1430"/>
+              </a:lnSpc>
+              <a:spcBef>
+                <a:spcPts val="0"/>
+              </a:spcBef>
+              <a:spcAft>
+                <a:spcPts val="0"/>
+              </a:spcAft>
+              <a:buClrTx/>
+              <a:buAutoNum type="arabicPeriod"/>
+            </a:pPr>
+            <a:endParaRPr altLang="zh-CN" baseline="0" b="0" cap="none" sz="2800" i="0" kern="1200" lang="en-US" spc="0" strike="noStrike" u="none">
+              <a:solidFill>
+                <a:srgbClr val="404040"/>
+              </a:solidFill>
+              <a:latin typeface="quote-cjk-patch" pitchFamily="0" charset="0"/>
+              <a:ea typeface="quote-cjk-patch" pitchFamily="0" charset="0"/>
+              <a:cs typeface="Arial" pitchFamily="0" charset="0"/>
+            </a:endParaRPr>
+          </a:p>
+          <a:p>
+            <a:pPr algn="l" indent="0" marL="0">
+              <a:lnSpc>
+                <a:spcPts val="1430"/>
+              </a:lnSpc>
+              <a:spcBef>
+                <a:spcPts val="0"/>
+              </a:spcBef>
+              <a:spcAft>
+                <a:spcPts val="0"/>
+              </a:spcAft>
+              <a:buClrTx/>
+              <a:buAutoNum type="arabicPeriod"/>
+            </a:pPr>
+            <a:r>
+              <a:rPr altLang="zh-CN" baseline="0" b="0" cap="none" sz="2800" i="0" kern="1200" lang="en-US" spc="0" strike="noStrike" u="none">
+                <a:solidFill>
+                  <a:srgbClr val="404040"/>
+                </a:solidFill>
+                <a:latin typeface="quote-cjk-patch" pitchFamily="0" charset="0"/>
+                <a:ea typeface="quote-cjk-patch" pitchFamily="0" charset="0"/>
+                <a:cs typeface="Arial" pitchFamily="0" charset="0"/>
+              </a:rPr>
+              <a:t>End Users</a:t>
+            </a:r>
+            <a:endParaRPr altLang="zh-CN" baseline="0" b="0" cap="none" sz="2800" i="0" kern="1200" lang="en-US" spc="0" strike="noStrike" u="none">
+              <a:solidFill>
+                <a:srgbClr val="404040"/>
+              </a:solidFill>
+              <a:latin typeface="quote-cjk-patch" pitchFamily="0" charset="0"/>
+              <a:ea typeface="quote-cjk-patch" pitchFamily="0" charset="0"/>
+              <a:cs typeface="Arial" pitchFamily="0" charset="0"/>
+            </a:endParaRPr>
+          </a:p>
+          <a:p>
+            <a:pPr algn="l" indent="0" marL="0">
+              <a:lnSpc>
+                <a:spcPts val="1430"/>
+              </a:lnSpc>
+              <a:spcBef>
+                <a:spcPts val="0"/>
+              </a:spcBef>
+              <a:spcAft>
+                <a:spcPts val="0"/>
+              </a:spcAft>
+              <a:buClrTx/>
+              <a:buAutoNum type="arabicPeriod"/>
+            </a:pPr>
+            <a:endParaRPr altLang="zh-CN" baseline="0" b="0" cap="none" sz="2800" i="0" kern="1200" lang="en-US" spc="0" strike="noStrike" u="none">
+              <a:solidFill>
+                <a:srgbClr val="404040"/>
+              </a:solidFill>
+              <a:latin typeface="quote-cjk-patch" pitchFamily="0" charset="0"/>
+              <a:ea typeface="quote-cjk-patch" pitchFamily="0" charset="0"/>
+              <a:cs typeface="Arial" pitchFamily="0" charset="0"/>
+            </a:endParaRPr>
+          </a:p>
+          <a:p>
+            <a:pPr algn="l" indent="0" marL="0">
+              <a:lnSpc>
+                <a:spcPts val="1430"/>
+              </a:lnSpc>
+              <a:spcBef>
+                <a:spcPts val="0"/>
+              </a:spcBef>
+              <a:spcAft>
+                <a:spcPts val="0"/>
+              </a:spcAft>
+              <a:buClrTx/>
+              <a:buAutoNum type="arabicPeriod"/>
+            </a:pPr>
+            <a:endParaRPr altLang="zh-CN" baseline="0" b="0" cap="none" sz="2800" i="0" kern="1200" lang="en-US" spc="0" strike="noStrike" u="none">
+              <a:solidFill>
+                <a:srgbClr val="404040"/>
+              </a:solidFill>
+              <a:latin typeface="quote-cjk-patch" pitchFamily="0" charset="0"/>
+              <a:ea typeface="quote-cjk-patch" pitchFamily="0" charset="0"/>
+              <a:cs typeface="Arial" pitchFamily="0" charset="0"/>
+            </a:endParaRPr>
+          </a:p>
+          <a:p>
+            <a:pPr algn="l" indent="0" marL="0">
+              <a:lnSpc>
+                <a:spcPts val="1430"/>
+              </a:lnSpc>
+              <a:spcBef>
+                <a:spcPts val="0"/>
+              </a:spcBef>
+              <a:spcAft>
+                <a:spcPts val="0"/>
+              </a:spcAft>
+              <a:buClrTx/>
+              <a:buAutoNum type="arabicPeriod"/>
+            </a:pPr>
+            <a:r>
+              <a:rPr altLang="zh-CN" baseline="0" b="0" cap="none" sz="2800" i="0" kern="1200" lang="en-US" spc="0" strike="noStrike" u="none">
+                <a:solidFill>
+                  <a:srgbClr val="404040"/>
+                </a:solidFill>
+                <a:latin typeface="quote-cjk-patch" pitchFamily="0" charset="0"/>
+                <a:ea typeface="quote-cjk-patch" pitchFamily="0" charset="0"/>
+                <a:cs typeface="Arial" pitchFamily="0" charset="0"/>
+              </a:rPr>
+              <a:t>Tools &amp; Technologie</a:t>
+            </a:r>
+            <a:endParaRPr altLang="zh-CN" baseline="0" b="0" cap="none" sz="2800" i="0" kern="1200" lang="en-US" spc="0" strike="noStrike" u="none">
+              <a:solidFill>
+                <a:srgbClr val="404040"/>
+              </a:solidFill>
+              <a:latin typeface="quote-cjk-patch" pitchFamily="0" charset="0"/>
+              <a:ea typeface="quote-cjk-patch" pitchFamily="0" charset="0"/>
+              <a:cs typeface="Arial" pitchFamily="0" charset="0"/>
+            </a:endParaRPr>
+          </a:p>
+          <a:p>
+            <a:pPr algn="l" indent="0" marL="0">
+              <a:lnSpc>
+                <a:spcPts val="1430"/>
+              </a:lnSpc>
+              <a:spcBef>
+                <a:spcPts val="0"/>
+              </a:spcBef>
+              <a:spcAft>
+                <a:spcPts val="0"/>
+              </a:spcAft>
+              <a:buClrTx/>
+              <a:buAutoNum type="arabicPeriod"/>
+            </a:pPr>
+            <a:endParaRPr altLang="zh-CN" baseline="0" b="0" cap="none" sz="2800" i="0" kern="1200" lang="en-US" spc="0" strike="noStrike" u="none">
+              <a:solidFill>
+                <a:srgbClr val="404040"/>
+              </a:solidFill>
+              <a:latin typeface="quote-cjk-patch" pitchFamily="0" charset="0"/>
+              <a:ea typeface="quote-cjk-patch" pitchFamily="0" charset="0"/>
+              <a:cs typeface="Arial" pitchFamily="0" charset="0"/>
+            </a:endParaRPr>
+          </a:p>
+          <a:p>
+            <a:pPr algn="l" indent="0" marL="0">
+              <a:lnSpc>
+                <a:spcPts val="1430"/>
+              </a:lnSpc>
+              <a:spcBef>
+                <a:spcPts val="0"/>
+              </a:spcBef>
+              <a:spcAft>
+                <a:spcPts val="0"/>
+              </a:spcAft>
+              <a:buClrTx/>
+              <a:buAutoNum type="arabicPeriod"/>
+            </a:pPr>
+            <a:endParaRPr altLang="zh-CN" baseline="0" b="0" cap="none" sz="2800" i="0" kern="1200" lang="en-US" spc="0" strike="noStrike" u="none">
+              <a:solidFill>
+                <a:srgbClr val="404040"/>
+              </a:solidFill>
+              <a:latin typeface="quote-cjk-patch" pitchFamily="0" charset="0"/>
+              <a:ea typeface="quote-cjk-patch" pitchFamily="0" charset="0"/>
+              <a:cs typeface="Arial" pitchFamily="0" charset="0"/>
+            </a:endParaRPr>
+          </a:p>
+          <a:p>
+            <a:pPr algn="l" indent="0" marL="0">
+              <a:lnSpc>
+                <a:spcPts val="1430"/>
+              </a:lnSpc>
+              <a:spcBef>
+                <a:spcPts val="0"/>
+              </a:spcBef>
+              <a:spcAft>
+                <a:spcPts val="0"/>
+              </a:spcAft>
+              <a:buClrTx/>
+              <a:buAutoNum type="arabicPeriod"/>
+            </a:pPr>
+            <a:r>
+              <a:rPr altLang="zh-CN" baseline="0" b="0" cap="none" sz="2800" i="0" kern="1200" lang="en-US" spc="0" strike="noStrike" u="none">
+                <a:solidFill>
+                  <a:srgbClr val="404040"/>
+                </a:solidFill>
+                <a:latin typeface="quote-cjk-patch" pitchFamily="0" charset="0"/>
+                <a:ea typeface="quote-cjk-patch" pitchFamily="0" charset="0"/>
+                <a:cs typeface="Arial" pitchFamily="0" charset="0"/>
+              </a:rPr>
+              <a:t>Design &amp; Layout</a:t>
+            </a:r>
+            <a:endParaRPr altLang="zh-CN" baseline="0" b="0" cap="none" sz="2800" i="0" kern="1200" lang="en-US" spc="0" strike="noStrike" u="none">
+              <a:solidFill>
+                <a:srgbClr val="404040"/>
+              </a:solidFill>
+              <a:latin typeface="quote-cjk-patch" pitchFamily="0" charset="0"/>
+              <a:ea typeface="quote-cjk-patch" pitchFamily="0" charset="0"/>
+              <a:cs typeface="Arial" pitchFamily="0" charset="0"/>
+            </a:endParaRPr>
+          </a:p>
+          <a:p>
+            <a:pPr algn="l" indent="0" marL="0">
+              <a:lnSpc>
+                <a:spcPts val="1430"/>
+              </a:lnSpc>
+              <a:spcBef>
+                <a:spcPts val="0"/>
+              </a:spcBef>
+              <a:spcAft>
+                <a:spcPts val="0"/>
+              </a:spcAft>
+              <a:buClrTx/>
+              <a:buAutoNum type="arabicPeriod"/>
+            </a:pPr>
+            <a:endParaRPr altLang="zh-CN" baseline="0" b="0" cap="none" sz="2800" i="0" kern="1200" lang="en-US" spc="0" strike="noStrike" u="none">
+              <a:solidFill>
+                <a:srgbClr val="404040"/>
+              </a:solidFill>
+              <a:latin typeface="quote-cjk-patch" pitchFamily="0" charset="0"/>
+              <a:ea typeface="quote-cjk-patch" pitchFamily="0" charset="0"/>
+              <a:cs typeface="Arial" pitchFamily="0" charset="0"/>
+            </a:endParaRPr>
+          </a:p>
+          <a:p>
+            <a:pPr algn="l" indent="0" marL="0">
+              <a:lnSpc>
+                <a:spcPts val="1430"/>
+              </a:lnSpc>
+              <a:spcBef>
+                <a:spcPts val="0"/>
+              </a:spcBef>
+              <a:spcAft>
+                <a:spcPts val="0"/>
+              </a:spcAft>
+              <a:buClrTx/>
+              <a:buAutoNum type="arabicPeriod"/>
+            </a:pPr>
+            <a:endParaRPr altLang="zh-CN" baseline="0" b="0" cap="none" sz="2800" i="0" kern="1200" lang="en-US" spc="0" strike="noStrike" u="none">
+              <a:solidFill>
+                <a:srgbClr val="404040"/>
+              </a:solidFill>
+              <a:latin typeface="quote-cjk-patch" pitchFamily="0" charset="0"/>
+              <a:ea typeface="quote-cjk-patch" pitchFamily="0" charset="0"/>
+              <a:cs typeface="Arial" pitchFamily="0" charset="0"/>
+            </a:endParaRPr>
+          </a:p>
+          <a:p>
+            <a:pPr algn="l" indent="0" marL="0">
+              <a:lnSpc>
+                <a:spcPts val="1430"/>
+              </a:lnSpc>
+              <a:spcBef>
+                <a:spcPts val="0"/>
+              </a:spcBef>
+              <a:spcAft>
+                <a:spcPts val="0"/>
+              </a:spcAft>
+              <a:buClrTx/>
+              <a:buAutoNum type="arabicPeriod"/>
+            </a:pPr>
+            <a:r>
+              <a:rPr altLang="zh-CN" baseline="0" b="0" cap="none" sz="2800" i="0" kern="1200" lang="en-US" spc="0" strike="noStrike" u="none">
+                <a:solidFill>
+                  <a:srgbClr val="404040"/>
+                </a:solidFill>
+                <a:latin typeface="quote-cjk-patch" pitchFamily="0" charset="0"/>
+                <a:ea typeface="quote-cjk-patch" pitchFamily="0" charset="0"/>
+                <a:cs typeface="Arial" pitchFamily="0" charset="0"/>
+              </a:rPr>
+              <a:t>Features &amp; Functionality</a:t>
+            </a:r>
+            <a:endParaRPr altLang="zh-CN" baseline="0" b="0" cap="none" sz="2800" i="0" kern="1200" lang="en-US" spc="0" strike="noStrike" u="none">
+              <a:solidFill>
+                <a:srgbClr val="404040"/>
+              </a:solidFill>
+              <a:latin typeface="quote-cjk-patch" pitchFamily="0" charset="0"/>
+              <a:ea typeface="quote-cjk-patch" pitchFamily="0" charset="0"/>
+              <a:cs typeface="Arial" pitchFamily="0" charset="0"/>
+            </a:endParaRPr>
+          </a:p>
+          <a:p>
+            <a:pPr algn="l" indent="0" marL="0">
+              <a:lnSpc>
+                <a:spcPts val="1430"/>
+              </a:lnSpc>
+              <a:spcBef>
+                <a:spcPts val="0"/>
+              </a:spcBef>
+              <a:spcAft>
+                <a:spcPts val="0"/>
+              </a:spcAft>
+              <a:buClrTx/>
+              <a:buAutoNum type="arabicPeriod"/>
+            </a:pPr>
+            <a:endParaRPr altLang="zh-CN" baseline="0" b="0" cap="none" sz="2800" i="0" kern="1200" lang="en-US" spc="0" strike="noStrike" u="none">
+              <a:solidFill>
+                <a:srgbClr val="404040"/>
+              </a:solidFill>
+              <a:latin typeface="quote-cjk-patch" pitchFamily="0" charset="0"/>
+              <a:ea typeface="quote-cjk-patch" pitchFamily="0" charset="0"/>
+              <a:cs typeface="Arial" pitchFamily="0" charset="0"/>
+            </a:endParaRPr>
+          </a:p>
+          <a:p>
+            <a:pPr algn="l" indent="0" marL="0">
+              <a:lnSpc>
+                <a:spcPts val="1430"/>
+              </a:lnSpc>
+              <a:spcBef>
+                <a:spcPts val="0"/>
+              </a:spcBef>
+              <a:spcAft>
+                <a:spcPts val="0"/>
+              </a:spcAft>
+              <a:buClrTx/>
+              <a:buAutoNum type="arabicPeriod"/>
+            </a:pPr>
+            <a:endParaRPr altLang="zh-CN" baseline="0" b="0" cap="none" sz="2800" i="0" kern="1200" lang="en-US" spc="0" strike="noStrike" u="none">
+              <a:solidFill>
+                <a:srgbClr val="404040"/>
+              </a:solidFill>
+              <a:latin typeface="quote-cjk-patch" pitchFamily="0" charset="0"/>
+              <a:ea typeface="quote-cjk-patch" pitchFamily="0" charset="0"/>
+              <a:cs typeface="Arial" pitchFamily="0" charset="0"/>
+            </a:endParaRPr>
+          </a:p>
+          <a:p>
+            <a:pPr algn="l" indent="0" marL="0">
+              <a:lnSpc>
+                <a:spcPts val="1430"/>
+              </a:lnSpc>
+              <a:spcBef>
+                <a:spcPts val="0"/>
+              </a:spcBef>
+              <a:spcAft>
+                <a:spcPts val="0"/>
+              </a:spcAft>
+              <a:buClrTx/>
+              <a:buAutoNum type="arabicPeriod"/>
+            </a:pPr>
+            <a:r>
+              <a:rPr altLang="zh-CN" baseline="0" b="0" cap="none" sz="2800" i="0" kern="1200" lang="en-US" spc="0" strike="noStrike" u="none">
+                <a:solidFill>
+                  <a:srgbClr val="404040"/>
+                </a:solidFill>
+                <a:latin typeface="quote-cjk-patch" pitchFamily="0" charset="0"/>
+                <a:ea typeface="quote-cjk-patch" pitchFamily="0" charset="0"/>
+                <a:cs typeface="Arial" pitchFamily="0" charset="0"/>
+              </a:rPr>
+              <a:t>Results</a:t>
+            </a:r>
+            <a:endParaRPr altLang="zh-CN" baseline="0" b="0" cap="none" sz="2800" i="0" kern="1200" lang="en-US" spc="0" strike="noStrike" u="none">
+              <a:solidFill>
+                <a:srgbClr val="404040"/>
+              </a:solidFill>
+              <a:latin typeface="quote-cjk-patch" pitchFamily="0" charset="0"/>
+              <a:ea typeface="quote-cjk-patch" pitchFamily="0" charset="0"/>
+              <a:cs typeface="Arial" pitchFamily="0" charset="0"/>
+            </a:endParaRPr>
+          </a:p>
+          <a:p>
+            <a:pPr algn="l" indent="0" marL="0">
+              <a:lnSpc>
+                <a:spcPts val="1430"/>
+              </a:lnSpc>
+              <a:spcBef>
+                <a:spcPts val="0"/>
+              </a:spcBef>
+              <a:spcAft>
+                <a:spcPts val="0"/>
+              </a:spcAft>
+              <a:buClrTx/>
+              <a:buAutoNum type="arabicPeriod"/>
+            </a:pPr>
+            <a:endParaRPr altLang="zh-CN" baseline="0" b="0" cap="none" sz="2800" i="0" kern="1200" lang="en-US" spc="0" strike="noStrike" u="none">
+              <a:solidFill>
+                <a:srgbClr val="404040"/>
+              </a:solidFill>
+              <a:latin typeface="quote-cjk-patch" pitchFamily="0" charset="0"/>
+              <a:ea typeface="quote-cjk-patch" pitchFamily="0" charset="0"/>
+              <a:cs typeface="Arial" pitchFamily="0" charset="0"/>
+            </a:endParaRPr>
+          </a:p>
+          <a:p>
+            <a:pPr algn="l" indent="0" marL="0">
+              <a:lnSpc>
+                <a:spcPts val="1430"/>
+              </a:lnSpc>
+              <a:spcBef>
+                <a:spcPts val="0"/>
+              </a:spcBef>
+              <a:spcAft>
+                <a:spcPts val="0"/>
+              </a:spcAft>
+              <a:buClrTx/>
+              <a:buAutoNum type="arabicPeriod"/>
+            </a:pPr>
+            <a:endParaRPr altLang="zh-CN" baseline="0" b="0" cap="none" sz="2800" i="0" kern="1200" lang="en-US" spc="0" strike="noStrike" u="none">
+              <a:solidFill>
+                <a:srgbClr val="404040"/>
+              </a:solidFill>
+              <a:latin typeface="quote-cjk-patch" pitchFamily="0" charset="0"/>
+              <a:ea typeface="quote-cjk-patch" pitchFamily="0" charset="0"/>
+              <a:cs typeface="Arial" pitchFamily="0" charset="0"/>
+            </a:endParaRPr>
+          </a:p>
+          <a:p>
+            <a:pPr algn="l" indent="0" marL="0">
+              <a:lnSpc>
+                <a:spcPts val="1430"/>
+              </a:lnSpc>
+              <a:spcBef>
+                <a:spcPts val="0"/>
+              </a:spcBef>
+              <a:spcAft>
+                <a:spcPts val="0"/>
+              </a:spcAft>
+              <a:buClrTx/>
+              <a:buAutoNum type="arabicPeriod"/>
+            </a:pPr>
+            <a:r>
+              <a:rPr altLang="zh-CN" baseline="0" b="0" cap="none" sz="2800" i="0" kern="1200" lang="en-US" spc="0" strike="noStrike" u="none">
+                <a:solidFill>
+                  <a:srgbClr val="404040"/>
+                </a:solidFill>
+                <a:latin typeface="quote-cjk-patch" pitchFamily="0" charset="0"/>
+                <a:ea typeface="quote-cjk-patch" pitchFamily="0" charset="0"/>
+                <a:cs typeface="Arial" pitchFamily="0" charset="0"/>
+              </a:rPr>
+              <a:t>Sample Output Images</a:t>
+            </a:r>
+            <a:endParaRPr altLang="zh-CN" baseline="0" b="0" cap="none" sz="2800" i="0" kern="1200" lang="en-US" spc="0" strike="noStrike" u="none">
+              <a:solidFill>
+                <a:srgbClr val="404040"/>
+              </a:solidFill>
+              <a:latin typeface="quote-cjk-patch" pitchFamily="0" charset="0"/>
+              <a:ea typeface="quote-cjk-patch" pitchFamily="0" charset="0"/>
+              <a:cs typeface="Arial" pitchFamily="0" charset="0"/>
+            </a:endParaRPr>
+          </a:p>
+          <a:p>
+            <a:pPr algn="l" indent="0" marL="0">
+              <a:lnSpc>
+                <a:spcPts val="1430"/>
+              </a:lnSpc>
+              <a:spcBef>
+                <a:spcPts val="0"/>
+              </a:spcBef>
+              <a:spcAft>
+                <a:spcPts val="0"/>
+              </a:spcAft>
+              <a:buClrTx/>
+              <a:buAutoNum type="arabicPeriod"/>
+            </a:pPr>
+            <a:endParaRPr altLang="zh-CN" baseline="0" b="0" cap="none" sz="2800" i="0" kern="1200" lang="en-US" spc="0" strike="noStrike" u="none">
+              <a:solidFill>
+                <a:srgbClr val="404040"/>
+              </a:solidFill>
+              <a:latin typeface="quote-cjk-patch" pitchFamily="0" charset="0"/>
+              <a:ea typeface="quote-cjk-patch" pitchFamily="0" charset="0"/>
+              <a:cs typeface="Arial" pitchFamily="0" charset="0"/>
+            </a:endParaRPr>
+          </a:p>
+          <a:p>
+            <a:pPr algn="l" indent="0" marL="0">
+              <a:lnSpc>
+                <a:spcPts val="1430"/>
+              </a:lnSpc>
+              <a:spcBef>
+                <a:spcPts val="0"/>
+              </a:spcBef>
+              <a:spcAft>
+                <a:spcPts val="0"/>
+              </a:spcAft>
+              <a:buClrTx/>
+              <a:buAutoNum type="arabicPeriod"/>
+            </a:pPr>
+            <a:endParaRPr altLang="zh-CN" baseline="0" b="0" cap="none" sz="2800" i="0" kern="1200" lang="en-US" spc="0" strike="noStrike" u="none">
+              <a:solidFill>
+                <a:srgbClr val="404040"/>
+              </a:solidFill>
+              <a:latin typeface="quote-cjk-patch" pitchFamily="0" charset="0"/>
+              <a:ea typeface="quote-cjk-patch" pitchFamily="0" charset="0"/>
+              <a:cs typeface="Arial" pitchFamily="0" charset="0"/>
+            </a:endParaRPr>
+          </a:p>
+          <a:p>
+            <a:pPr algn="l" indent="0" marL="0">
+              <a:lnSpc>
+                <a:spcPts val="1430"/>
+              </a:lnSpc>
+              <a:spcBef>
+                <a:spcPts val="0"/>
+              </a:spcBef>
+              <a:spcAft>
+                <a:spcPts val="0"/>
+              </a:spcAft>
+              <a:buClrTx/>
+              <a:buAutoNum type="arabicPeriod"/>
+            </a:pPr>
+            <a:r>
+              <a:rPr altLang="zh-CN" baseline="0" b="0" cap="none" sz="2800" i="0" kern="1200" lang="en-US" spc="0" strike="noStrike" u="none">
+                <a:solidFill>
+                  <a:srgbClr val="404040"/>
+                </a:solidFill>
+                <a:latin typeface="quote-cjk-patch" pitchFamily="0" charset="0"/>
+                <a:ea typeface="quote-cjk-patch" pitchFamily="0" charset="0"/>
+                <a:cs typeface="Arial" pitchFamily="0" charset="0"/>
+              </a:rPr>
+              <a:t>Conclusion</a:t>
+            </a:r>
+            <a:endParaRPr altLang="zh-CN" baseline="0" b="0" cap="none" sz="2800" i="0" kern="1200" lang="en-US" spc="0" strike="noStrike" u="none">
+              <a:solidFill>
+                <a:srgbClr val="404040"/>
+              </a:solidFill>
+              <a:latin typeface="quote-cjk-patch" pitchFamily="0" charset="0"/>
+              <a:ea typeface="quote-cjk-patch" pitchFamily="0" charset="0"/>
+              <a:cs typeface="Arial" pitchFamily="0" charset="0"/>
+            </a:endParaRPr>
+          </a:p>
+          <a:p>
+            <a:pPr algn="l" indent="0" marL="0">
+              <a:lnSpc>
+                <a:spcPts val="1430"/>
+              </a:lnSpc>
+              <a:spcBef>
+                <a:spcPts val="0"/>
+              </a:spcBef>
+              <a:spcAft>
+                <a:spcPts val="0"/>
+              </a:spcAft>
+              <a:buClrTx/>
+              <a:buAutoNum type="arabicPeriod"/>
+            </a:pPr>
+            <a:endParaRPr altLang="zh-CN" baseline="0" b="0" cap="none" sz="2800" i="0" kern="1200" lang="en-US" spc="0" strike="noStrike" u="none">
+              <a:solidFill>
+                <a:srgbClr val="404040"/>
+              </a:solidFill>
+              <a:latin typeface="quote-cjk-patch" pitchFamily="0" charset="0"/>
+              <a:ea typeface="quote-cjk-patch" pitchFamily="0" charset="0"/>
+              <a:cs typeface="Arial" pitchFamily="0" charset="0"/>
+            </a:endParaRPr>
+          </a:p>
+          <a:p>
+            <a:pPr algn="l" indent="0" marL="0">
+              <a:lnSpc>
+                <a:spcPts val="1430"/>
+              </a:lnSpc>
+              <a:spcBef>
+                <a:spcPts val="0"/>
+              </a:spcBef>
+              <a:spcAft>
+                <a:spcPts val="0"/>
+              </a:spcAft>
+              <a:buClrTx/>
+              <a:buAutoNum type="arabicPeriod"/>
+            </a:pPr>
+            <a:endParaRPr altLang="zh-CN" baseline="0" b="0" cap="none" sz="2800" i="0" kern="1200" lang="en-US" spc="0" strike="noStrike" u="none">
+              <a:solidFill>
+                <a:srgbClr val="404040"/>
+              </a:solidFill>
+              <a:latin typeface="quote-cjk-patch" pitchFamily="0" charset="0"/>
+              <a:ea typeface="quote-cjk-patch" pitchFamily="0" charset="0"/>
+              <a:cs typeface="Arial" pitchFamily="0" charset="0"/>
+            </a:endParaRPr>
+          </a:p>
+          <a:p>
+            <a:pPr algn="l" indent="0" marL="0">
+              <a:lnSpc>
+                <a:spcPts val="1430"/>
+              </a:lnSpc>
+              <a:spcBef>
+                <a:spcPts val="0"/>
+              </a:spcBef>
+              <a:spcAft>
+                <a:spcPts val="0"/>
+              </a:spcAft>
+              <a:buClrTx/>
+              <a:buAutoNum type="arabicPeriod"/>
+            </a:pPr>
+            <a:r>
+              <a:rPr altLang="zh-CN" baseline="0" b="0" cap="none" sz="2800" i="0" kern="1200" lang="en-US" spc="0" strike="noStrike" u="none">
+                <a:solidFill>
+                  <a:srgbClr val="404040"/>
+                </a:solidFill>
+                <a:latin typeface="quote-cjk-patch" pitchFamily="0" charset="0"/>
+                <a:ea typeface="quote-cjk-patch" pitchFamily="0" charset="0"/>
+                <a:cs typeface="Arial" pitchFamily="0" charset="0"/>
+              </a:rPr>
+              <a:t>GitHub Link</a:t>
+            </a:r>
+            <a:endParaRPr altLang="zh-CN" baseline="0" b="0" cap="none" sz="2800" i="0" kern="1200" lang="en-US" spc="0" strike="noStrike" u="none">
+              <a:solidFill>
+                <a:srgbClr val="404040"/>
+              </a:solidFill>
+              <a:latin typeface="quote-cjk-patch" pitchFamily="0" charset="0"/>
+              <a:ea typeface="quote-cjk-patch" pitchFamily="0" charset="0"/>
+              <a:cs typeface="Arial" pitchFamily="0" charset="0"/>
+            </a:endParaRPr>
+          </a:p>
+          <a:p>
+            <a:pPr algn="l" indent="0" marL="0">
+              <a:lnSpc>
+                <a:spcPts val="1430"/>
+              </a:lnSpc>
+              <a:spcBef>
+                <a:spcPts val="0"/>
+              </a:spcBef>
+              <a:spcAft>
+                <a:spcPts val="0"/>
+              </a:spcAft>
+              <a:buNone/>
+            </a:pPr>
+            <a:endParaRPr altLang="en-US" baseline="0" b="0" cap="none" sz="2800" i="0" kern="1200" lang="zh-CN" spc="0" strike="noStrike" u="none">
               <a:solidFill>
                 <a:srgbClr val="404040"/>
               </a:solidFill>
@@ -5830,7 +6698,7 @@
 </p:sld>
 </file>
 
-<file path=ppt/slides/slide3.xml><?xml version="1.0" encoding="utf-8"?>
+<file path=ppt/slides/slide4.xml><?xml version="1.0" encoding="utf-8"?>
 <p:sld xmlns:a="http://schemas.openxmlformats.org/drawingml/2006/main" xmlns:r="http://schemas.openxmlformats.org/officeDocument/2006/relationships" xmlns:p="http://schemas.openxmlformats.org/presentationml/2006/main">
   <p:cSld>
     <p:bg>
@@ -5862,8 +6730,8 @@
         </p:nvSpPr>
         <p:spPr>
           <a:xfrm rot="0">
-            <a:off x="179704" y="188594"/>
-            <a:ext cx="11666219" cy="6564630"/>
+            <a:off x="0" y="62864"/>
+            <a:ext cx="12095480" cy="6659245"/>
           </a:xfrm>
           <a:prstGeom prst="rect"/>
           <a:noFill/>
@@ -5878,7 +6746,7 @@
             <a:prstTxWarp prst="textNoShape"/>
           </a:bodyPr>
           <a:p>
-            <a:pPr algn="ctr" indent="0" marL="0">
+            <a:pPr algn="l" indent="0" marL="0">
               <a:lnSpc>
                 <a:spcPct val="100000"/>
               </a:lnSpc>
@@ -5891,7 +6759,7 @@
               <a:buNone/>
             </a:pPr>
             <a:r>
-              <a:rPr altLang="zh-CN" baseline="0" b="0" cap="none" sz="1800" i="0" kern="1200" lang="en-US" spc="0" strike="noStrike" u="none">
+              <a:rPr altLang="zh-CN" baseline="0" b="0" cap="none" sz="4400" i="0" kern="1200" lang="en-US" spc="0" strike="noStrike" u="none">
                 <a:solidFill>
                   <a:srgbClr val="404040"/>
                 </a:solidFill>
@@ -5899,10 +6767,55 @@
                 <a:ea typeface="quote-cjk-patch" pitchFamily="0" charset="0"/>
                 <a:cs typeface="Arial" pitchFamily="0" charset="0"/>
               </a:rPr>
-              <a:t>  </a:t>
-            </a:r>
-            <a:r>
-              <a:rPr altLang="zh-CN" baseline="0" b="1" cap="none" sz="4400" i="0" kern="1200" lang="en-US" spc="0" strike="noStrike" u="none">
+              <a:t>Problem Statement</a:t>
+            </a:r>
+            <a:endParaRPr altLang="zh-CN" baseline="0" b="0" cap="none" sz="4400" i="0" kern="1200" lang="en-US" spc="0" strike="noStrike" u="none">
+              <a:solidFill>
+                <a:srgbClr val="404040"/>
+              </a:solidFill>
+              <a:latin typeface="quote-cjk-patch" pitchFamily="0" charset="0"/>
+              <a:ea typeface="quote-cjk-patch" pitchFamily="0" charset="0"/>
+              <a:cs typeface="Arial" pitchFamily="0" charset="0"/>
+            </a:endParaRPr>
+          </a:p>
+          <a:p>
+            <a:pPr algn="l" indent="0" marL="0">
+              <a:lnSpc>
+                <a:spcPct val="100000"/>
+              </a:lnSpc>
+              <a:spcBef>
+                <a:spcPts val="900"/>
+              </a:spcBef>
+              <a:spcAft>
+                <a:spcPts val="600"/>
+              </a:spcAft>
+              <a:buNone/>
+            </a:pPr>
+            <a:endParaRPr altLang="zh-CN" baseline="0" b="0" cap="none" sz="1800" i="0" kern="1200" lang="en-US" spc="0" strike="noStrike" u="none">
+              <a:solidFill>
+                <a:srgbClr val="404040"/>
+              </a:solidFill>
+              <a:latin typeface="quote-cjk-patch" pitchFamily="0" charset="0"/>
+              <a:ea typeface="quote-cjk-patch" pitchFamily="0" charset="0"/>
+              <a:cs typeface="Arial" pitchFamily="0" charset="0"/>
+            </a:endParaRPr>
+          </a:p>
+          <a:p>
+            <a:pPr algn="l" indent="0" marL="0">
+              <a:lnSpc>
+                <a:spcPct val="100000"/>
+              </a:lnSpc>
+              <a:spcBef>
+                <a:spcPts val="0"/>
+              </a:spcBef>
+              <a:spcAft>
+                <a:spcPts val="0"/>
+              </a:spcAft>
+              <a:buFont typeface="Arial" pitchFamily="0" charset="0"/>
+              <a:buChar char="•"/>
+            </a:pPr>
+            <a:r>
+              <a:rPr altLang="zh-CN" baseline="0" b="0" cap="none" sz="2800" i="0" kern="1200" lang="en-US" spc="0" strike="noStrike" u="none">
                 <a:solidFill>
                   <a:srgbClr val="404040"/>
                 </a:solidFill>
@@ -5910,31 +6823,32 @@
                 <a:ea typeface="quote-cjk-patch" pitchFamily="0" charset="0"/>
                 <a:cs typeface="Arial" pitchFamily="0" charset="0"/>
               </a:rPr>
-              <a:t>Agenda</a:t>
-            </a:r>
-            <a:endParaRPr altLang="zh-CN" baseline="0" b="1" cap="none" sz="4400" i="0" kern="1200" lang="en-US" spc="0" strike="noStrike" u="none">
-              <a:solidFill>
-                <a:srgbClr val="404040"/>
-              </a:solidFill>
-              <a:latin typeface="quote-cjk-patch" pitchFamily="0" charset="0"/>
-              <a:ea typeface="quote-cjk-patch" pitchFamily="0" charset="0"/>
-              <a:cs typeface="Arial" pitchFamily="0" charset="0"/>
-            </a:endParaRPr>
-          </a:p>
-          <a:p>
-            <a:pPr algn="ctr" indent="0" marL="0">
+              <a:t>Students struggle to effectively maintain and organize their academic and personal projects.</a:t>
+            </a:r>
+            <a:endParaRPr altLang="zh-CN" baseline="0" b="0" cap="none" sz="2800" i="0" kern="1200" lang="en-US" spc="0" strike="noStrike" u="none">
+              <a:solidFill>
+                <a:srgbClr val="404040"/>
+              </a:solidFill>
+              <a:latin typeface="quote-cjk-patch" pitchFamily="0" charset="0"/>
+              <a:ea typeface="quote-cjk-patch" pitchFamily="0" charset="0"/>
+              <a:cs typeface="Arial" pitchFamily="0" charset="0"/>
+            </a:endParaRPr>
+          </a:p>
+          <a:p>
+            <a:pPr algn="l" indent="0" marL="0">
               <a:lnSpc>
                 <a:spcPct val="100000"/>
               </a:lnSpc>
               <a:spcBef>
-                <a:spcPts val="900"/>
-              </a:spcBef>
-              <a:spcAft>
-                <a:spcPts val="600"/>
-              </a:spcAft>
-              <a:buNone/>
-            </a:pPr>
-            <a:endParaRPr altLang="zh-CN" baseline="0" b="0" cap="none" sz="1800" i="0" kern="1200" lang="en-US" spc="0" strike="noStrike" u="none">
+                <a:spcPts val="0"/>
+              </a:spcBef>
+              <a:spcAft>
+                <a:spcPts val="0"/>
+              </a:spcAft>
+              <a:buFont typeface="Arial" pitchFamily="0" charset="0"/>
+              <a:buChar char="•"/>
+            </a:pPr>
+            <a:endParaRPr altLang="zh-CN" baseline="0" b="0" cap="none" sz="2800" i="0" kern="1200" lang="en-US" spc="0" strike="noStrike" u="none">
               <a:solidFill>
                 <a:srgbClr val="404040"/>
               </a:solidFill>
@@ -5946,16 +6860,16 @@
           <a:p>
             <a:pPr algn="l" indent="0" marL="0">
               <a:lnSpc>
-                <a:spcPts val="1430"/>
-              </a:lnSpc>
-              <a:spcBef>
-                <a:spcPts val="0"/>
-              </a:spcBef>
-              <a:spcAft>
-                <a:spcPts val="0"/>
-              </a:spcAft>
-              <a:buClrTx/>
-              <a:buAutoNum type="arabicPeriod"/>
+                <a:spcPct val="100000"/>
+              </a:lnSpc>
+              <a:spcBef>
+                <a:spcPts val="0"/>
+              </a:spcBef>
+              <a:spcAft>
+                <a:spcPts val="0"/>
+              </a:spcAft>
+              <a:buFont typeface="Arial" pitchFamily="0" charset="0"/>
+              <a:buChar char="•"/>
             </a:pPr>
             <a:r>
               <a:rPr altLang="zh-CN" baseline="0" b="0" cap="none" sz="2800" i="0" kern="1200" lang="en-US" spc="0" strike="noStrike" u="none">
@@ -5966,7 +6880,7 @@
                 <a:ea typeface="quote-cjk-patch" pitchFamily="0" charset="0"/>
                 <a:cs typeface="Arial" pitchFamily="0" charset="0"/>
               </a:rPr>
-              <a:t>Problem Statement</a:t>
+              <a:t>Traditional resumes are static and fail to showcase the depth of a student's work.</a:t>
             </a:r>
             <a:endParaRPr altLang="zh-CN" baseline="0" b="0" cap="none" sz="2800" i="0" kern="1200" lang="en-US" spc="0" strike="noStrike" u="none">
               <a:solidFill>
@@ -5980,16 +6894,16 @@
           <a:p>
             <a:pPr algn="l" indent="0" marL="0">
               <a:lnSpc>
-                <a:spcPts val="1430"/>
-              </a:lnSpc>
-              <a:spcBef>
-                <a:spcPts val="0"/>
-              </a:spcBef>
-              <a:spcAft>
-                <a:spcPts val="0"/>
-              </a:spcAft>
-              <a:buClrTx/>
-              <a:buAutoNum type="arabicPeriod"/>
+                <a:spcPct val="100000"/>
+              </a:lnSpc>
+              <a:spcBef>
+                <a:spcPts val="0"/>
+              </a:spcBef>
+              <a:spcAft>
+                <a:spcPts val="0"/>
+              </a:spcAft>
+              <a:buFont typeface="Arial" pitchFamily="0" charset="0"/>
+              <a:buChar char="•"/>
             </a:pPr>
             <a:endParaRPr altLang="zh-CN" baseline="0" b="0" cap="none" sz="2800" i="0" kern="1200" lang="en-US" spc="0" strike="noStrike" u="none">
               <a:solidFill>
@@ -6003,39 +6917,16 @@
           <a:p>
             <a:pPr algn="l" indent="0" marL="0">
               <a:lnSpc>
-                <a:spcPts val="1430"/>
-              </a:lnSpc>
-              <a:spcBef>
-                <a:spcPts val="0"/>
-              </a:spcBef>
-              <a:spcAft>
-                <a:spcPts val="0"/>
-              </a:spcAft>
-              <a:buClrTx/>
-              <a:buAutoNum type="arabicPeriod"/>
-            </a:pPr>
-            <a:endParaRPr altLang="zh-CN" baseline="0" b="0" cap="none" sz="2800" i="0" kern="1200" lang="en-US" spc="0" strike="noStrike" u="none">
-              <a:solidFill>
-                <a:srgbClr val="404040"/>
-              </a:solidFill>
-              <a:latin typeface="quote-cjk-patch" pitchFamily="0" charset="0"/>
-              <a:ea typeface="quote-cjk-patch" pitchFamily="0" charset="0"/>
-              <a:cs typeface="Arial" pitchFamily="0" charset="0"/>
-            </a:endParaRPr>
-          </a:p>
-          <a:p>
-            <a:pPr algn="l" indent="0" marL="0">
-              <a:lnSpc>
-                <a:spcPts val="1430"/>
-              </a:lnSpc>
-              <a:spcBef>
-                <a:spcPts val="0"/>
-              </a:spcBef>
-              <a:spcAft>
-                <a:spcPts val="0"/>
-              </a:spcAft>
-              <a:buClrTx/>
-              <a:buAutoNum type="arabicPeriod"/>
+                <a:spcPct val="100000"/>
+              </a:lnSpc>
+              <a:spcBef>
+                <a:spcPts val="0"/>
+              </a:spcBef>
+              <a:spcAft>
+                <a:spcPts val="0"/>
+              </a:spcAft>
+              <a:buFont typeface="Arial" pitchFamily="0" charset="0"/>
+              <a:buChar char="•"/>
             </a:pPr>
             <a:r>
               <a:rPr altLang="zh-CN" baseline="0" b="0" cap="none" sz="2800" i="0" kern="1200" lang="en-US" spc="0" strike="noStrike" u="none">
@@ -6046,7 +6937,7 @@
                 <a:ea typeface="quote-cjk-patch" pitchFamily="0" charset="0"/>
                 <a:cs typeface="Arial" pitchFamily="0" charset="0"/>
               </a:rPr>
-              <a:t>Project Overview</a:t>
+              <a:t>There is a gap between showcasing projects and getting actionable feedback on skill development.</a:t>
             </a:r>
             <a:endParaRPr altLang="zh-CN" baseline="0" b="0" cap="none" sz="2800" i="0" kern="1200" lang="en-US" spc="0" strike="noStrike" u="none">
               <a:solidFill>
@@ -6060,16 +6951,16 @@
           <a:p>
             <a:pPr algn="l" indent="0" marL="0">
               <a:lnSpc>
-                <a:spcPts val="1430"/>
-              </a:lnSpc>
-              <a:spcBef>
-                <a:spcPts val="0"/>
-              </a:spcBef>
-              <a:spcAft>
-                <a:spcPts val="0"/>
-              </a:spcAft>
-              <a:buClrTx/>
-              <a:buAutoNum type="arabicPeriod"/>
+                <a:spcPct val="100000"/>
+              </a:lnSpc>
+              <a:spcBef>
+                <a:spcPts val="0"/>
+              </a:spcBef>
+              <a:spcAft>
+                <a:spcPts val="0"/>
+              </a:spcAft>
+              <a:buFont typeface="Arial" pitchFamily="0" charset="0"/>
+              <a:buChar char="•"/>
             </a:pPr>
             <a:endParaRPr altLang="zh-CN" baseline="0" b="0" cap="none" sz="2800" i="0" kern="1200" lang="en-US" spc="0" strike="noStrike" u="none">
               <a:solidFill>
@@ -6083,39 +6974,16 @@
           <a:p>
             <a:pPr algn="l" indent="0" marL="0">
               <a:lnSpc>
-                <a:spcPts val="1430"/>
-              </a:lnSpc>
-              <a:spcBef>
-                <a:spcPts val="0"/>
-              </a:spcBef>
-              <a:spcAft>
-                <a:spcPts val="0"/>
-              </a:spcAft>
-              <a:buClrTx/>
-              <a:buAutoNum type="arabicPeriod"/>
-            </a:pPr>
-            <a:endParaRPr altLang="zh-CN" baseline="0" b="0" cap="none" sz="2800" i="0" kern="1200" lang="en-US" spc="0" strike="noStrike" u="none">
-              <a:solidFill>
-                <a:srgbClr val="404040"/>
-              </a:solidFill>
-              <a:latin typeface="quote-cjk-patch" pitchFamily="0" charset="0"/>
-              <a:ea typeface="quote-cjk-patch" pitchFamily="0" charset="0"/>
-              <a:cs typeface="Arial" pitchFamily="0" charset="0"/>
-            </a:endParaRPr>
-          </a:p>
-          <a:p>
-            <a:pPr algn="l" indent="0" marL="0">
-              <a:lnSpc>
-                <a:spcPts val="1430"/>
-              </a:lnSpc>
-              <a:spcBef>
-                <a:spcPts val="0"/>
-              </a:spcBef>
-              <a:spcAft>
-                <a:spcPts val="0"/>
-              </a:spcAft>
-              <a:buClrTx/>
-              <a:buAutoNum type="arabicPeriod"/>
+                <a:spcPct val="100000"/>
+              </a:lnSpc>
+              <a:spcBef>
+                <a:spcPts val="0"/>
+              </a:spcBef>
+              <a:spcAft>
+                <a:spcPts val="0"/>
+              </a:spcAft>
+              <a:buFont typeface="Arial" pitchFamily="0" charset="0"/>
+              <a:buChar char="•"/>
             </a:pPr>
             <a:r>
               <a:rPr altLang="zh-CN" baseline="0" b="0" cap="none" sz="2800" i="0" kern="1200" lang="en-US" spc="0" strike="noStrike" u="none">
@@ -6126,590 +6994,8 @@
                 <a:ea typeface="quote-cjk-patch" pitchFamily="0" charset="0"/>
                 <a:cs typeface="Arial" pitchFamily="0" charset="0"/>
               </a:rPr>
-              <a:t>End Users</a:t>
-            </a:r>
-            <a:endParaRPr altLang="zh-CN" baseline="0" b="0" cap="none" sz="2800" i="0" kern="1200" lang="en-US" spc="0" strike="noStrike" u="none">
-              <a:solidFill>
-                <a:srgbClr val="404040"/>
-              </a:solidFill>
-              <a:latin typeface="quote-cjk-patch" pitchFamily="0" charset="0"/>
-              <a:ea typeface="quote-cjk-patch" pitchFamily="0" charset="0"/>
-              <a:cs typeface="Arial" pitchFamily="0" charset="0"/>
-            </a:endParaRPr>
-          </a:p>
-          <a:p>
-            <a:pPr algn="l" indent="0" marL="0">
-              <a:lnSpc>
-                <a:spcPts val="1430"/>
-              </a:lnSpc>
-              <a:spcBef>
-                <a:spcPts val="0"/>
-              </a:spcBef>
-              <a:spcAft>
-                <a:spcPts val="0"/>
-              </a:spcAft>
-              <a:buClrTx/>
-              <a:buAutoNum type="arabicPeriod"/>
-            </a:pPr>
-            <a:endParaRPr altLang="zh-CN" baseline="0" b="0" cap="none" sz="2800" i="0" kern="1200" lang="en-US" spc="0" strike="noStrike" u="none">
-              <a:solidFill>
-                <a:srgbClr val="404040"/>
-              </a:solidFill>
-              <a:latin typeface="quote-cjk-patch" pitchFamily="0" charset="0"/>
-              <a:ea typeface="quote-cjk-patch" pitchFamily="0" charset="0"/>
-              <a:cs typeface="Arial" pitchFamily="0" charset="0"/>
-            </a:endParaRPr>
-          </a:p>
-          <a:p>
-            <a:pPr algn="l" indent="0" marL="0">
-              <a:lnSpc>
-                <a:spcPts val="1430"/>
-              </a:lnSpc>
-              <a:spcBef>
-                <a:spcPts val="0"/>
-              </a:spcBef>
-              <a:spcAft>
-                <a:spcPts val="0"/>
-              </a:spcAft>
-              <a:buClrTx/>
-              <a:buAutoNum type="arabicPeriod"/>
-            </a:pPr>
-            <a:endParaRPr altLang="zh-CN" baseline="0" b="0" cap="none" sz="2800" i="0" kern="1200" lang="en-US" spc="0" strike="noStrike" u="none">
-              <a:solidFill>
-                <a:srgbClr val="404040"/>
-              </a:solidFill>
-              <a:latin typeface="quote-cjk-patch" pitchFamily="0" charset="0"/>
-              <a:ea typeface="quote-cjk-patch" pitchFamily="0" charset="0"/>
-              <a:cs typeface="Arial" pitchFamily="0" charset="0"/>
-            </a:endParaRPr>
-          </a:p>
-          <a:p>
-            <a:pPr algn="l" indent="0" marL="0">
-              <a:lnSpc>
-                <a:spcPts val="1430"/>
-              </a:lnSpc>
-              <a:spcBef>
-                <a:spcPts val="0"/>
-              </a:spcBef>
-              <a:spcAft>
-                <a:spcPts val="0"/>
-              </a:spcAft>
-              <a:buClrTx/>
-              <a:buAutoNum type="arabicPeriod"/>
-            </a:pPr>
-            <a:r>
-              <a:rPr altLang="zh-CN" baseline="0" b="0" cap="none" sz="2800" i="0" kern="1200" lang="en-US" spc="0" strike="noStrike" u="none">
-                <a:solidFill>
-                  <a:srgbClr val="404040"/>
-                </a:solidFill>
-                <a:latin typeface="quote-cjk-patch" pitchFamily="0" charset="0"/>
-                <a:ea typeface="quote-cjk-patch" pitchFamily="0" charset="0"/>
-                <a:cs typeface="Arial" pitchFamily="0" charset="0"/>
-              </a:rPr>
-              <a:t>Tools &amp; Technologie</a:t>
-            </a:r>
-            <a:endParaRPr altLang="zh-CN" baseline="0" b="0" cap="none" sz="2800" i="0" kern="1200" lang="en-US" spc="0" strike="noStrike" u="none">
-              <a:solidFill>
-                <a:srgbClr val="404040"/>
-              </a:solidFill>
-              <a:latin typeface="quote-cjk-patch" pitchFamily="0" charset="0"/>
-              <a:ea typeface="quote-cjk-patch" pitchFamily="0" charset="0"/>
-              <a:cs typeface="Arial" pitchFamily="0" charset="0"/>
-            </a:endParaRPr>
-          </a:p>
-          <a:p>
-            <a:pPr algn="l" indent="0" marL="0">
-              <a:lnSpc>
-                <a:spcPts val="1430"/>
-              </a:lnSpc>
-              <a:spcBef>
-                <a:spcPts val="0"/>
-              </a:spcBef>
-              <a:spcAft>
-                <a:spcPts val="0"/>
-              </a:spcAft>
-              <a:buClrTx/>
-              <a:buAutoNum type="arabicPeriod"/>
-            </a:pPr>
-            <a:endParaRPr altLang="zh-CN" baseline="0" b="0" cap="none" sz="2800" i="0" kern="1200" lang="en-US" spc="0" strike="noStrike" u="none">
-              <a:solidFill>
-                <a:srgbClr val="404040"/>
-              </a:solidFill>
-              <a:latin typeface="quote-cjk-patch" pitchFamily="0" charset="0"/>
-              <a:ea typeface="quote-cjk-patch" pitchFamily="0" charset="0"/>
-              <a:cs typeface="Arial" pitchFamily="0" charset="0"/>
-            </a:endParaRPr>
-          </a:p>
-          <a:p>
-            <a:pPr algn="l" indent="0" marL="0">
-              <a:lnSpc>
-                <a:spcPts val="1430"/>
-              </a:lnSpc>
-              <a:spcBef>
-                <a:spcPts val="0"/>
-              </a:spcBef>
-              <a:spcAft>
-                <a:spcPts val="0"/>
-              </a:spcAft>
-              <a:buClrTx/>
-              <a:buAutoNum type="arabicPeriod"/>
-            </a:pPr>
-            <a:endParaRPr altLang="zh-CN" baseline="0" b="0" cap="none" sz="2800" i="0" kern="1200" lang="en-US" spc="0" strike="noStrike" u="none">
-              <a:solidFill>
-                <a:srgbClr val="404040"/>
-              </a:solidFill>
-              <a:latin typeface="quote-cjk-patch" pitchFamily="0" charset="0"/>
-              <a:ea typeface="quote-cjk-patch" pitchFamily="0" charset="0"/>
-              <a:cs typeface="Arial" pitchFamily="0" charset="0"/>
-            </a:endParaRPr>
-          </a:p>
-          <a:p>
-            <a:pPr algn="l" indent="0" marL="0">
-              <a:lnSpc>
-                <a:spcPts val="1430"/>
-              </a:lnSpc>
-              <a:spcBef>
-                <a:spcPts val="0"/>
-              </a:spcBef>
-              <a:spcAft>
-                <a:spcPts val="0"/>
-              </a:spcAft>
-              <a:buClrTx/>
-              <a:buAutoNum type="arabicPeriod"/>
-            </a:pPr>
-            <a:r>
-              <a:rPr altLang="zh-CN" baseline="0" b="0" cap="none" sz="2800" i="0" kern="1200" lang="en-US" spc="0" strike="noStrike" u="none">
-                <a:solidFill>
-                  <a:srgbClr val="404040"/>
-                </a:solidFill>
-                <a:latin typeface="quote-cjk-patch" pitchFamily="0" charset="0"/>
-                <a:ea typeface="quote-cjk-patch" pitchFamily="0" charset="0"/>
-                <a:cs typeface="Arial" pitchFamily="0" charset="0"/>
-              </a:rPr>
-              <a:t>Design &amp; Layout</a:t>
-            </a:r>
-            <a:endParaRPr altLang="zh-CN" baseline="0" b="0" cap="none" sz="2800" i="0" kern="1200" lang="en-US" spc="0" strike="noStrike" u="none">
-              <a:solidFill>
-                <a:srgbClr val="404040"/>
-              </a:solidFill>
-              <a:latin typeface="quote-cjk-patch" pitchFamily="0" charset="0"/>
-              <a:ea typeface="quote-cjk-patch" pitchFamily="0" charset="0"/>
-              <a:cs typeface="Arial" pitchFamily="0" charset="0"/>
-            </a:endParaRPr>
-          </a:p>
-          <a:p>
-            <a:pPr algn="l" indent="0" marL="0">
-              <a:lnSpc>
-                <a:spcPts val="1430"/>
-              </a:lnSpc>
-              <a:spcBef>
-                <a:spcPts val="0"/>
-              </a:spcBef>
-              <a:spcAft>
-                <a:spcPts val="0"/>
-              </a:spcAft>
-              <a:buClrTx/>
-              <a:buAutoNum type="arabicPeriod"/>
-            </a:pPr>
-            <a:endParaRPr altLang="zh-CN" baseline="0" b="0" cap="none" sz="2800" i="0" kern="1200" lang="en-US" spc="0" strike="noStrike" u="none">
-              <a:solidFill>
-                <a:srgbClr val="404040"/>
-              </a:solidFill>
-              <a:latin typeface="quote-cjk-patch" pitchFamily="0" charset="0"/>
-              <a:ea typeface="quote-cjk-patch" pitchFamily="0" charset="0"/>
-              <a:cs typeface="Arial" pitchFamily="0" charset="0"/>
-            </a:endParaRPr>
-          </a:p>
-          <a:p>
-            <a:pPr algn="l" indent="0" marL="0">
-              <a:lnSpc>
-                <a:spcPts val="1430"/>
-              </a:lnSpc>
-              <a:spcBef>
-                <a:spcPts val="0"/>
-              </a:spcBef>
-              <a:spcAft>
-                <a:spcPts val="0"/>
-              </a:spcAft>
-              <a:buClrTx/>
-              <a:buAutoNum type="arabicPeriod"/>
-            </a:pPr>
-            <a:endParaRPr altLang="zh-CN" baseline="0" b="0" cap="none" sz="2800" i="0" kern="1200" lang="en-US" spc="0" strike="noStrike" u="none">
-              <a:solidFill>
-                <a:srgbClr val="404040"/>
-              </a:solidFill>
-              <a:latin typeface="quote-cjk-patch" pitchFamily="0" charset="0"/>
-              <a:ea typeface="quote-cjk-patch" pitchFamily="0" charset="0"/>
-              <a:cs typeface="Arial" pitchFamily="0" charset="0"/>
-            </a:endParaRPr>
-          </a:p>
-          <a:p>
-            <a:pPr algn="l" indent="0" marL="0">
-              <a:lnSpc>
-                <a:spcPts val="1430"/>
-              </a:lnSpc>
-              <a:spcBef>
-                <a:spcPts val="0"/>
-              </a:spcBef>
-              <a:spcAft>
-                <a:spcPts val="0"/>
-              </a:spcAft>
-              <a:buClrTx/>
-              <a:buAutoNum type="arabicPeriod"/>
-            </a:pPr>
-            <a:r>
-              <a:rPr altLang="zh-CN" baseline="0" b="0" cap="none" sz="2800" i="0" kern="1200" lang="en-US" spc="0" strike="noStrike" u="none">
-                <a:solidFill>
-                  <a:srgbClr val="404040"/>
-                </a:solidFill>
-                <a:latin typeface="quote-cjk-patch" pitchFamily="0" charset="0"/>
-                <a:ea typeface="quote-cjk-patch" pitchFamily="0" charset="0"/>
-                <a:cs typeface="Arial" pitchFamily="0" charset="0"/>
-              </a:rPr>
-              <a:t>Features &amp; Functionality</a:t>
-            </a:r>
-            <a:endParaRPr altLang="zh-CN" baseline="0" b="0" cap="none" sz="2800" i="0" kern="1200" lang="en-US" spc="0" strike="noStrike" u="none">
-              <a:solidFill>
-                <a:srgbClr val="404040"/>
-              </a:solidFill>
-              <a:latin typeface="quote-cjk-patch" pitchFamily="0" charset="0"/>
-              <a:ea typeface="quote-cjk-patch" pitchFamily="0" charset="0"/>
-              <a:cs typeface="Arial" pitchFamily="0" charset="0"/>
-            </a:endParaRPr>
-          </a:p>
-          <a:p>
-            <a:pPr algn="l" indent="0" marL="0">
-              <a:lnSpc>
-                <a:spcPts val="1430"/>
-              </a:lnSpc>
-              <a:spcBef>
-                <a:spcPts val="0"/>
-              </a:spcBef>
-              <a:spcAft>
-                <a:spcPts val="0"/>
-              </a:spcAft>
-              <a:buClrTx/>
-              <a:buAutoNum type="arabicPeriod"/>
-            </a:pPr>
-            <a:endParaRPr altLang="zh-CN" baseline="0" b="0" cap="none" sz="2800" i="0" kern="1200" lang="en-US" spc="0" strike="noStrike" u="none">
-              <a:solidFill>
-                <a:srgbClr val="404040"/>
-              </a:solidFill>
-              <a:latin typeface="quote-cjk-patch" pitchFamily="0" charset="0"/>
-              <a:ea typeface="quote-cjk-patch" pitchFamily="0" charset="0"/>
-              <a:cs typeface="Arial" pitchFamily="0" charset="0"/>
-            </a:endParaRPr>
-          </a:p>
-          <a:p>
-            <a:pPr algn="l" indent="0" marL="0">
-              <a:lnSpc>
-                <a:spcPts val="1430"/>
-              </a:lnSpc>
-              <a:spcBef>
-                <a:spcPts val="0"/>
-              </a:spcBef>
-              <a:spcAft>
-                <a:spcPts val="0"/>
-              </a:spcAft>
-              <a:buClrTx/>
-              <a:buAutoNum type="arabicPeriod"/>
-            </a:pPr>
-            <a:endParaRPr altLang="zh-CN" baseline="0" b="0" cap="none" sz="2800" i="0" kern="1200" lang="en-US" spc="0" strike="noStrike" u="none">
-              <a:solidFill>
-                <a:srgbClr val="404040"/>
-              </a:solidFill>
-              <a:latin typeface="quote-cjk-patch" pitchFamily="0" charset="0"/>
-              <a:ea typeface="quote-cjk-patch" pitchFamily="0" charset="0"/>
-              <a:cs typeface="Arial" pitchFamily="0" charset="0"/>
-            </a:endParaRPr>
-          </a:p>
-          <a:p>
-            <a:pPr algn="l" indent="0" marL="0">
-              <a:lnSpc>
-                <a:spcPts val="1430"/>
-              </a:lnSpc>
-              <a:spcBef>
-                <a:spcPts val="0"/>
-              </a:spcBef>
-              <a:spcAft>
-                <a:spcPts val="0"/>
-              </a:spcAft>
-              <a:buClrTx/>
-              <a:buAutoNum type="arabicPeriod"/>
-            </a:pPr>
-            <a:r>
-              <a:rPr altLang="zh-CN" baseline="0" b="0" cap="none" sz="2800" i="0" kern="1200" lang="en-US" spc="0" strike="noStrike" u="none">
-                <a:solidFill>
-                  <a:srgbClr val="404040"/>
-                </a:solidFill>
-                <a:latin typeface="quote-cjk-patch" pitchFamily="0" charset="0"/>
-                <a:ea typeface="quote-cjk-patch" pitchFamily="0" charset="0"/>
-                <a:cs typeface="Arial" pitchFamily="0" charset="0"/>
-              </a:rPr>
-              <a:t>Results</a:t>
-            </a:r>
-            <a:endParaRPr altLang="zh-CN" baseline="0" b="0" cap="none" sz="2800" i="0" kern="1200" lang="en-US" spc="0" strike="noStrike" u="none">
-              <a:solidFill>
-                <a:srgbClr val="404040"/>
-              </a:solidFill>
-              <a:latin typeface="quote-cjk-patch" pitchFamily="0" charset="0"/>
-              <a:ea typeface="quote-cjk-patch" pitchFamily="0" charset="0"/>
-              <a:cs typeface="Arial" pitchFamily="0" charset="0"/>
-            </a:endParaRPr>
-          </a:p>
-          <a:p>
-            <a:pPr algn="l" indent="0" marL="0">
-              <a:lnSpc>
-                <a:spcPts val="1430"/>
-              </a:lnSpc>
-              <a:spcBef>
-                <a:spcPts val="0"/>
-              </a:spcBef>
-              <a:spcAft>
-                <a:spcPts val="0"/>
-              </a:spcAft>
-              <a:buClrTx/>
-              <a:buAutoNum type="arabicPeriod"/>
-            </a:pPr>
-            <a:endParaRPr altLang="zh-CN" baseline="0" b="0" cap="none" sz="2800" i="0" kern="1200" lang="en-US" spc="0" strike="noStrike" u="none">
-              <a:solidFill>
-                <a:srgbClr val="404040"/>
-              </a:solidFill>
-              <a:latin typeface="quote-cjk-patch" pitchFamily="0" charset="0"/>
-              <a:ea typeface="quote-cjk-patch" pitchFamily="0" charset="0"/>
-              <a:cs typeface="Arial" pitchFamily="0" charset="0"/>
-            </a:endParaRPr>
-          </a:p>
-          <a:p>
-            <a:pPr algn="l" indent="0" marL="0">
-              <a:lnSpc>
-                <a:spcPts val="1430"/>
-              </a:lnSpc>
-              <a:spcBef>
-                <a:spcPts val="0"/>
-              </a:spcBef>
-              <a:spcAft>
-                <a:spcPts val="0"/>
-              </a:spcAft>
-              <a:buClrTx/>
-              <a:buAutoNum type="arabicPeriod"/>
-            </a:pPr>
-            <a:endParaRPr altLang="zh-CN" baseline="0" b="0" cap="none" sz="2800" i="0" kern="1200" lang="en-US" spc="0" strike="noStrike" u="none">
-              <a:solidFill>
-                <a:srgbClr val="404040"/>
-              </a:solidFill>
-              <a:latin typeface="quote-cjk-patch" pitchFamily="0" charset="0"/>
-              <a:ea typeface="quote-cjk-patch" pitchFamily="0" charset="0"/>
-              <a:cs typeface="Arial" pitchFamily="0" charset="0"/>
-            </a:endParaRPr>
-          </a:p>
-          <a:p>
-            <a:pPr algn="l" indent="0" marL="0">
-              <a:lnSpc>
-                <a:spcPts val="1430"/>
-              </a:lnSpc>
-              <a:spcBef>
-                <a:spcPts val="0"/>
-              </a:spcBef>
-              <a:spcAft>
-                <a:spcPts val="0"/>
-              </a:spcAft>
-              <a:buClrTx/>
-              <a:buAutoNum type="arabicPeriod"/>
-            </a:pPr>
-            <a:r>
-              <a:rPr altLang="zh-CN" baseline="0" b="0" cap="none" sz="2800" i="0" kern="1200" lang="en-US" spc="0" strike="noStrike" u="none">
-                <a:solidFill>
-                  <a:srgbClr val="404040"/>
-                </a:solidFill>
-                <a:latin typeface="quote-cjk-patch" pitchFamily="0" charset="0"/>
-                <a:ea typeface="quote-cjk-patch" pitchFamily="0" charset="0"/>
-                <a:cs typeface="Arial" pitchFamily="0" charset="0"/>
-              </a:rPr>
-              <a:t>Sample Output Images</a:t>
-            </a:r>
-            <a:endParaRPr altLang="zh-CN" baseline="0" b="0" cap="none" sz="2800" i="0" kern="1200" lang="en-US" spc="0" strike="noStrike" u="none">
-              <a:solidFill>
-                <a:srgbClr val="404040"/>
-              </a:solidFill>
-              <a:latin typeface="quote-cjk-patch" pitchFamily="0" charset="0"/>
-              <a:ea typeface="quote-cjk-patch" pitchFamily="0" charset="0"/>
-              <a:cs typeface="Arial" pitchFamily="0" charset="0"/>
-            </a:endParaRPr>
-          </a:p>
-          <a:p>
-            <a:pPr algn="l" indent="0" marL="0">
-              <a:lnSpc>
-                <a:spcPts val="1430"/>
-              </a:lnSpc>
-              <a:spcBef>
-                <a:spcPts val="0"/>
-              </a:spcBef>
-              <a:spcAft>
-                <a:spcPts val="0"/>
-              </a:spcAft>
-              <a:buClrTx/>
-              <a:buAutoNum type="arabicPeriod"/>
-            </a:pPr>
-            <a:endParaRPr altLang="zh-CN" baseline="0" b="0" cap="none" sz="2800" i="0" kern="1200" lang="en-US" spc="0" strike="noStrike" u="none">
-              <a:solidFill>
-                <a:srgbClr val="404040"/>
-              </a:solidFill>
-              <a:latin typeface="quote-cjk-patch" pitchFamily="0" charset="0"/>
-              <a:ea typeface="quote-cjk-patch" pitchFamily="0" charset="0"/>
-              <a:cs typeface="Arial" pitchFamily="0" charset="0"/>
-            </a:endParaRPr>
-          </a:p>
-          <a:p>
-            <a:pPr algn="l" indent="0" marL="0">
-              <a:lnSpc>
-                <a:spcPts val="1430"/>
-              </a:lnSpc>
-              <a:spcBef>
-                <a:spcPts val="0"/>
-              </a:spcBef>
-              <a:spcAft>
-                <a:spcPts val="0"/>
-              </a:spcAft>
-              <a:buClrTx/>
-              <a:buAutoNum type="arabicPeriod"/>
-            </a:pPr>
-            <a:endParaRPr altLang="zh-CN" baseline="0" b="0" cap="none" sz="2800" i="0" kern="1200" lang="en-US" spc="0" strike="noStrike" u="none">
-              <a:solidFill>
-                <a:srgbClr val="404040"/>
-              </a:solidFill>
-              <a:latin typeface="quote-cjk-patch" pitchFamily="0" charset="0"/>
-              <a:ea typeface="quote-cjk-patch" pitchFamily="0" charset="0"/>
-              <a:cs typeface="Arial" pitchFamily="0" charset="0"/>
-            </a:endParaRPr>
-          </a:p>
-          <a:p>
-            <a:pPr algn="l" indent="0" marL="0">
-              <a:lnSpc>
-                <a:spcPts val="1430"/>
-              </a:lnSpc>
-              <a:spcBef>
-                <a:spcPts val="0"/>
-              </a:spcBef>
-              <a:spcAft>
-                <a:spcPts val="0"/>
-              </a:spcAft>
-              <a:buClrTx/>
-              <a:buAutoNum type="arabicPeriod"/>
-            </a:pPr>
-            <a:r>
-              <a:rPr altLang="zh-CN" baseline="0" b="0" cap="none" sz="2800" i="0" kern="1200" lang="en-US" spc="0" strike="noStrike" u="none">
-                <a:solidFill>
-                  <a:srgbClr val="404040"/>
-                </a:solidFill>
-                <a:latin typeface="quote-cjk-patch" pitchFamily="0" charset="0"/>
-                <a:ea typeface="quote-cjk-patch" pitchFamily="0" charset="0"/>
-                <a:cs typeface="Arial" pitchFamily="0" charset="0"/>
-              </a:rPr>
-              <a:t>Conclusion</a:t>
-            </a:r>
-            <a:endParaRPr altLang="zh-CN" baseline="0" b="0" cap="none" sz="2800" i="0" kern="1200" lang="en-US" spc="0" strike="noStrike" u="none">
-              <a:solidFill>
-                <a:srgbClr val="404040"/>
-              </a:solidFill>
-              <a:latin typeface="quote-cjk-patch" pitchFamily="0" charset="0"/>
-              <a:ea typeface="quote-cjk-patch" pitchFamily="0" charset="0"/>
-              <a:cs typeface="Arial" pitchFamily="0" charset="0"/>
-            </a:endParaRPr>
-          </a:p>
-          <a:p>
-            <a:pPr algn="l" indent="0" marL="0">
-              <a:lnSpc>
-                <a:spcPts val="1430"/>
-              </a:lnSpc>
-              <a:spcBef>
-                <a:spcPts val="0"/>
-              </a:spcBef>
-              <a:spcAft>
-                <a:spcPts val="0"/>
-              </a:spcAft>
-              <a:buClrTx/>
-              <a:buAutoNum type="arabicPeriod"/>
-            </a:pPr>
-            <a:endParaRPr altLang="zh-CN" baseline="0" b="0" cap="none" sz="2800" i="0" kern="1200" lang="en-US" spc="0" strike="noStrike" u="none">
-              <a:solidFill>
-                <a:srgbClr val="404040"/>
-              </a:solidFill>
-              <a:latin typeface="quote-cjk-patch" pitchFamily="0" charset="0"/>
-              <a:ea typeface="quote-cjk-patch" pitchFamily="0" charset="0"/>
-              <a:cs typeface="Arial" pitchFamily="0" charset="0"/>
-            </a:endParaRPr>
-          </a:p>
-          <a:p>
-            <a:pPr algn="l" indent="0" marL="0">
-              <a:lnSpc>
-                <a:spcPts val="1430"/>
-              </a:lnSpc>
-              <a:spcBef>
-                <a:spcPts val="0"/>
-              </a:spcBef>
-              <a:spcAft>
-                <a:spcPts val="0"/>
-              </a:spcAft>
-              <a:buClrTx/>
-              <a:buAutoNum type="arabicPeriod"/>
-            </a:pPr>
-            <a:endParaRPr altLang="zh-CN" baseline="0" b="0" cap="none" sz="2800" i="0" kern="1200" lang="en-US" spc="0" strike="noStrike" u="none">
-              <a:solidFill>
-                <a:srgbClr val="404040"/>
-              </a:solidFill>
-              <a:latin typeface="quote-cjk-patch" pitchFamily="0" charset="0"/>
-              <a:ea typeface="quote-cjk-patch" pitchFamily="0" charset="0"/>
-              <a:cs typeface="Arial" pitchFamily="0" charset="0"/>
-            </a:endParaRPr>
-          </a:p>
-          <a:p>
-            <a:pPr algn="l" indent="0" marL="0">
-              <a:lnSpc>
-                <a:spcPts val="1430"/>
-              </a:lnSpc>
-              <a:spcBef>
-                <a:spcPts val="0"/>
-              </a:spcBef>
-              <a:spcAft>
-                <a:spcPts val="0"/>
-              </a:spcAft>
-              <a:buClrTx/>
-              <a:buAutoNum type="arabicPeriod"/>
-            </a:pPr>
-            <a:r>
-              <a:rPr altLang="zh-CN" baseline="0" b="0" cap="none" sz="2800" i="0" kern="1200" lang="en-US" spc="0" strike="noStrike" u="none">
-                <a:solidFill>
-                  <a:srgbClr val="404040"/>
-                </a:solidFill>
-                <a:latin typeface="quote-cjk-patch" pitchFamily="0" charset="0"/>
-                <a:ea typeface="quote-cjk-patch" pitchFamily="0" charset="0"/>
-                <a:cs typeface="Arial" pitchFamily="0" charset="0"/>
-              </a:rPr>
-              <a:t>GitHub Link</a:t>
-            </a:r>
-            <a:endParaRPr altLang="zh-CN" baseline="0" b="0" cap="none" sz="2800" i="0" kern="1200" lang="en-US" spc="0" strike="noStrike" u="none">
-              <a:solidFill>
-                <a:srgbClr val="404040"/>
-              </a:solidFill>
-              <a:latin typeface="quote-cjk-patch" pitchFamily="0" charset="0"/>
-              <a:ea typeface="quote-cjk-patch" pitchFamily="0" charset="0"/>
-              <a:cs typeface="Arial" pitchFamily="0" charset="0"/>
-            </a:endParaRPr>
-          </a:p>
-          <a:p>
-            <a:pPr algn="l" indent="0" marL="0">
-              <a:lnSpc>
-                <a:spcPts val="1430"/>
-              </a:lnSpc>
-              <a:spcBef>
-                <a:spcPts val="0"/>
-              </a:spcBef>
-              <a:spcAft>
-                <a:spcPts val="0"/>
-              </a:spcAft>
-              <a:buNone/>
-            </a:pPr>
+              <a:t>Recruiters find it time-consuming to manually assess a candidate's entire skillset from a PDF</a:t>
+            </a:r>
             <a:endParaRPr altLang="en-US" baseline="0" b="0" cap="none" sz="2800" i="0" kern="1200" lang="zh-CN" spc="0" strike="noStrike" u="none">
               <a:solidFill>
                 <a:srgbClr val="404040"/>
@@ -6729,7 +7015,7 @@
 </p:sld>
 </file>
 
-<file path=ppt/slides/slide4.xml><?xml version="1.0" encoding="utf-8"?>
+<file path=ppt/slides/slide5.xml><?xml version="1.0" encoding="utf-8"?>
 <p:sld xmlns:a="http://schemas.openxmlformats.org/drawingml/2006/main" xmlns:r="http://schemas.openxmlformats.org/officeDocument/2006/relationships" xmlns:p="http://schemas.openxmlformats.org/presentationml/2006/main">
   <p:cSld>
     <p:bg>
@@ -6761,8 +7047,8 @@
         </p:nvSpPr>
         <p:spPr>
           <a:xfrm rot="0">
-            <a:off x="0" y="62864"/>
-            <a:ext cx="12095480" cy="6659245"/>
+            <a:off x="64134" y="0"/>
+            <a:ext cx="12127864" cy="6858000"/>
           </a:xfrm>
           <a:prstGeom prst="rect"/>
           <a:noFill/>
@@ -6777,7 +7063,7 @@
             <a:prstTxWarp prst="textNoShape"/>
           </a:bodyPr>
           <a:p>
-            <a:pPr algn="l" indent="0" marL="0">
+            <a:pPr algn="ctr" indent="0" marL="0">
               <a:lnSpc>
                 <a:spcPct val="100000"/>
               </a:lnSpc>
@@ -6798,7 +7084,7 @@
                 <a:ea typeface="quote-cjk-patch" pitchFamily="0" charset="0"/>
                 <a:cs typeface="Arial" pitchFamily="0" charset="0"/>
               </a:rPr>
-              <a:t>Problem Statement</a:t>
+              <a:t>Project Overview</a:t>
             </a:r>
             <a:endParaRPr altLang="zh-CN" baseline="0" b="0" cap="none" sz="4400" i="0" kern="1200" lang="en-US" spc="0" strike="noStrike" u="none">
               <a:solidFill>
@@ -6810,40 +7096,39 @@
             </a:endParaRPr>
           </a:p>
           <a:p>
+            <a:pPr algn="ctr" indent="0" marL="0">
+              <a:lnSpc>
+                <a:spcPct val="100000"/>
+              </a:lnSpc>
+              <a:spcBef>
+                <a:spcPts val="900"/>
+              </a:spcBef>
+              <a:spcAft>
+                <a:spcPts val="600"/>
+              </a:spcAft>
+              <a:buNone/>
+            </a:pPr>
+            <a:endParaRPr altLang="zh-CN" baseline="0" b="0" cap="none" sz="4400" i="0" kern="1200" lang="en-US" spc="0" strike="noStrike" u="none">
+              <a:solidFill>
+                <a:srgbClr val="404040"/>
+              </a:solidFill>
+              <a:latin typeface="quote-cjk-patch" pitchFamily="0" charset="0"/>
+              <a:ea typeface="quote-cjk-patch" pitchFamily="0" charset="0"/>
+              <a:cs typeface="Arial" pitchFamily="0" charset="0"/>
+            </a:endParaRPr>
+          </a:p>
+          <a:p>
             <a:pPr algn="l" indent="0" marL="0">
               <a:lnSpc>
                 <a:spcPct val="100000"/>
               </a:lnSpc>
               <a:spcBef>
-                <a:spcPts val="900"/>
-              </a:spcBef>
-              <a:spcAft>
                 <a:spcPts val="600"/>
-              </a:spcAft>
-              <a:buNone/>
-            </a:pPr>
-            <a:endParaRPr altLang="zh-CN" baseline="0" b="0" cap="none" sz="1800" i="0" kern="1200" lang="en-US" spc="0" strike="noStrike" u="none">
-              <a:solidFill>
-                <a:srgbClr val="404040"/>
-              </a:solidFill>
-              <a:latin typeface="quote-cjk-patch" pitchFamily="0" charset="0"/>
-              <a:ea typeface="quote-cjk-patch" pitchFamily="0" charset="0"/>
-              <a:cs typeface="Arial" pitchFamily="0" charset="0"/>
-            </a:endParaRPr>
-          </a:p>
-          <a:p>
-            <a:pPr algn="l" indent="0" marL="0">
-              <a:lnSpc>
-                <a:spcPct val="100000"/>
-              </a:lnSpc>
-              <a:spcBef>
-                <a:spcPts val="0"/>
-              </a:spcBef>
-              <a:spcAft>
-                <a:spcPts val="0"/>
-              </a:spcAft>
-              <a:buFont typeface="Arial" pitchFamily="0" charset="0"/>
-              <a:buChar char="•"/>
+              </a:spcBef>
+              <a:spcAft>
+                <a:spcPts val="600"/>
+              </a:spcAft>
+              <a:buNone/>
             </a:pPr>
             <a:r>
               <a:rPr altLang="zh-CN" baseline="0" b="0" cap="none" sz="2800" i="0" kern="1200" lang="en-US" spc="0" strike="noStrike" u="none">
@@ -6854,178 +7139,7 @@
                 <a:ea typeface="quote-cjk-patch" pitchFamily="0" charset="0"/>
                 <a:cs typeface="Arial" pitchFamily="0" charset="0"/>
               </a:rPr>
-              <a:t>Students struggle to effectively maintain and organize their academic and personal projects.</a:t>
-            </a:r>
-            <a:endParaRPr altLang="zh-CN" baseline="0" b="0" cap="none" sz="2800" i="0" kern="1200" lang="en-US" spc="0" strike="noStrike" u="none">
-              <a:solidFill>
-                <a:srgbClr val="404040"/>
-              </a:solidFill>
-              <a:latin typeface="quote-cjk-patch" pitchFamily="0" charset="0"/>
-              <a:ea typeface="quote-cjk-patch" pitchFamily="0" charset="0"/>
-              <a:cs typeface="Arial" pitchFamily="0" charset="0"/>
-            </a:endParaRPr>
-          </a:p>
-          <a:p>
-            <a:pPr algn="l" indent="0" marL="0">
-              <a:lnSpc>
-                <a:spcPct val="100000"/>
-              </a:lnSpc>
-              <a:spcBef>
-                <a:spcPts val="0"/>
-              </a:spcBef>
-              <a:spcAft>
-                <a:spcPts val="0"/>
-              </a:spcAft>
-              <a:buFont typeface="Arial" pitchFamily="0" charset="0"/>
-              <a:buChar char="•"/>
-            </a:pPr>
-            <a:endParaRPr altLang="zh-CN" baseline="0" b="0" cap="none" sz="2800" i="0" kern="1200" lang="en-US" spc="0" strike="noStrike" u="none">
-              <a:solidFill>
-                <a:srgbClr val="404040"/>
-              </a:solidFill>
-              <a:latin typeface="quote-cjk-patch" pitchFamily="0" charset="0"/>
-              <a:ea typeface="quote-cjk-patch" pitchFamily="0" charset="0"/>
-              <a:cs typeface="Arial" pitchFamily="0" charset="0"/>
-            </a:endParaRPr>
-          </a:p>
-          <a:p>
-            <a:pPr algn="l" indent="0" marL="0">
-              <a:lnSpc>
-                <a:spcPct val="100000"/>
-              </a:lnSpc>
-              <a:spcBef>
-                <a:spcPts val="0"/>
-              </a:spcBef>
-              <a:spcAft>
-                <a:spcPts val="0"/>
-              </a:spcAft>
-              <a:buFont typeface="Arial" pitchFamily="0" charset="0"/>
-              <a:buChar char="•"/>
-            </a:pPr>
-            <a:r>
-              <a:rPr altLang="zh-CN" baseline="0" b="0" cap="none" sz="2800" i="0" kern="1200" lang="en-US" spc="0" strike="noStrike" u="none">
-                <a:solidFill>
-                  <a:srgbClr val="404040"/>
-                </a:solidFill>
-                <a:latin typeface="quote-cjk-patch" pitchFamily="0" charset="0"/>
-                <a:ea typeface="quote-cjk-patch" pitchFamily="0" charset="0"/>
-                <a:cs typeface="Arial" pitchFamily="0" charset="0"/>
-              </a:rPr>
-              <a:t>Traditional resumes are static and fail to showcase the depth of a student's work.</a:t>
-            </a:r>
-            <a:endParaRPr altLang="zh-CN" baseline="0" b="0" cap="none" sz="2800" i="0" kern="1200" lang="en-US" spc="0" strike="noStrike" u="none">
-              <a:solidFill>
-                <a:srgbClr val="404040"/>
-              </a:solidFill>
-              <a:latin typeface="quote-cjk-patch" pitchFamily="0" charset="0"/>
-              <a:ea typeface="quote-cjk-patch" pitchFamily="0" charset="0"/>
-              <a:cs typeface="Arial" pitchFamily="0" charset="0"/>
-            </a:endParaRPr>
-          </a:p>
-          <a:p>
-            <a:pPr algn="l" indent="0" marL="0">
-              <a:lnSpc>
-                <a:spcPct val="100000"/>
-              </a:lnSpc>
-              <a:spcBef>
-                <a:spcPts val="0"/>
-              </a:spcBef>
-              <a:spcAft>
-                <a:spcPts val="0"/>
-              </a:spcAft>
-              <a:buFont typeface="Arial" pitchFamily="0" charset="0"/>
-              <a:buChar char="•"/>
-            </a:pPr>
-            <a:endParaRPr altLang="zh-CN" baseline="0" b="0" cap="none" sz="2800" i="0" kern="1200" lang="en-US" spc="0" strike="noStrike" u="none">
-              <a:solidFill>
-                <a:srgbClr val="404040"/>
-              </a:solidFill>
-              <a:latin typeface="quote-cjk-patch" pitchFamily="0" charset="0"/>
-              <a:ea typeface="quote-cjk-patch" pitchFamily="0" charset="0"/>
-              <a:cs typeface="Arial" pitchFamily="0" charset="0"/>
-            </a:endParaRPr>
-          </a:p>
-          <a:p>
-            <a:pPr algn="l" indent="0" marL="0">
-              <a:lnSpc>
-                <a:spcPct val="100000"/>
-              </a:lnSpc>
-              <a:spcBef>
-                <a:spcPts val="0"/>
-              </a:spcBef>
-              <a:spcAft>
-                <a:spcPts val="0"/>
-              </a:spcAft>
-              <a:buFont typeface="Arial" pitchFamily="0" charset="0"/>
-              <a:buChar char="•"/>
-            </a:pPr>
-            <a:r>
-              <a:rPr altLang="zh-CN" baseline="0" b="0" cap="none" sz="2800" i="0" kern="1200" lang="en-US" spc="0" strike="noStrike" u="none">
-                <a:solidFill>
-                  <a:srgbClr val="404040"/>
-                </a:solidFill>
-                <a:latin typeface="quote-cjk-patch" pitchFamily="0" charset="0"/>
-                <a:ea typeface="quote-cjk-patch" pitchFamily="0" charset="0"/>
-                <a:cs typeface="Arial" pitchFamily="0" charset="0"/>
-              </a:rPr>
-              <a:t>There is a gap between showcasing projects and getting actionable feedback on skill development.</a:t>
-            </a:r>
-            <a:endParaRPr altLang="zh-CN" baseline="0" b="0" cap="none" sz="2800" i="0" kern="1200" lang="en-US" spc="0" strike="noStrike" u="none">
-              <a:solidFill>
-                <a:srgbClr val="404040"/>
-              </a:solidFill>
-              <a:latin typeface="quote-cjk-patch" pitchFamily="0" charset="0"/>
-              <a:ea typeface="quote-cjk-patch" pitchFamily="0" charset="0"/>
-              <a:cs typeface="Arial" pitchFamily="0" charset="0"/>
-            </a:endParaRPr>
-          </a:p>
-          <a:p>
-            <a:pPr algn="l" indent="0" marL="0">
-              <a:lnSpc>
-                <a:spcPct val="100000"/>
-              </a:lnSpc>
-              <a:spcBef>
-                <a:spcPts val="0"/>
-              </a:spcBef>
-              <a:spcAft>
-                <a:spcPts val="0"/>
-              </a:spcAft>
-              <a:buFont typeface="Arial" pitchFamily="0" charset="0"/>
-              <a:buChar char="•"/>
-            </a:pPr>
-            <a:endParaRPr altLang="zh-CN" baseline="0" b="0" cap="none" sz="2800" i="0" kern="1200" lang="en-US" spc="0" strike="noStrike" u="none">
-              <a:solidFill>
-                <a:srgbClr val="404040"/>
-              </a:solidFill>
-              <a:latin typeface="quote-cjk-patch" pitchFamily="0" charset="0"/>
-              <a:ea typeface="quote-cjk-patch" pitchFamily="0" charset="0"/>
-              <a:cs typeface="Arial" pitchFamily="0" charset="0"/>
-            </a:endParaRPr>
-          </a:p>
-          <a:p>
-            <a:pPr algn="l" indent="0" marL="0">
-              <a:lnSpc>
-                <a:spcPct val="100000"/>
-              </a:lnSpc>
-              <a:spcBef>
-                <a:spcPts val="0"/>
-              </a:spcBef>
-              <a:spcAft>
-                <a:spcPts val="0"/>
-              </a:spcAft>
-              <a:buFont typeface="Arial" pitchFamily="0" charset="0"/>
-              <a:buChar char="•"/>
-            </a:pPr>
-            <a:r>
-              <a:rPr altLang="zh-CN" baseline="0" b="0" cap="none" sz="2800" i="0" kern="1200" lang="en-US" spc="0" strike="noStrike" u="none">
-                <a:solidFill>
-                  <a:srgbClr val="404040"/>
-                </a:solidFill>
-                <a:latin typeface="quote-cjk-patch" pitchFamily="0" charset="0"/>
-                <a:ea typeface="quote-cjk-patch" pitchFamily="0" charset="0"/>
-                <a:cs typeface="Arial" pitchFamily="0" charset="0"/>
-              </a:rPr>
-              <a:t>Recruiters find it time-consuming to manually assess a candidate's entire skillset from a PDF</a:t>
+              <a:t>This project involves creating an intelligent, personalized digital portfolio web application. It goes beyond a simple showcase by integrating analytics to track visitor engagement and a recommendation system that suggests skills to learn based on the user's existing projects and career goals. It is designed to be user-friendly, fully responsive, and data-driven.</a:t>
             </a:r>
             <a:endParaRPr altLang="en-US" baseline="0" b="0" cap="none" sz="2800" i="0" kern="1200" lang="zh-CN" spc="0" strike="noStrike" u="none">
               <a:solidFill>
@@ -7046,7 +7160,7 @@
 </p:sld>
 </file>
 
-<file path=ppt/slides/slide5.xml><?xml version="1.0" encoding="utf-8"?>
+<file path=ppt/slides/slide6.xml><?xml version="1.0" encoding="utf-8"?>
 <p:sld xmlns:a="http://schemas.openxmlformats.org/drawingml/2006/main" xmlns:r="http://schemas.openxmlformats.org/officeDocument/2006/relationships" xmlns:p="http://schemas.openxmlformats.org/presentationml/2006/main">
   <p:cSld>
     <p:bg>
@@ -7078,8 +7192,8 @@
         </p:nvSpPr>
         <p:spPr>
           <a:xfrm rot="0">
-            <a:off x="64134" y="0"/>
-            <a:ext cx="12127864" cy="6858000"/>
+            <a:off x="0" y="186690"/>
+            <a:ext cx="12109450" cy="6872605"/>
           </a:xfrm>
           <a:prstGeom prst="rect"/>
           <a:noFill/>
@@ -7107,7 +7221,7 @@
               <a:buNone/>
             </a:pPr>
             <a:r>
-              <a:rPr altLang="zh-CN" baseline="0" b="0" cap="none" sz="4400" i="0" kern="1200" lang="en-US" spc="0" strike="noStrike" u="none">
+              <a:rPr altLang="zh-CN" baseline="0" b="1" cap="none" sz="4400" i="0" kern="1200" lang="en-US" spc="0" strike="noStrike" u="none">
                 <a:solidFill>
                   <a:srgbClr val="404040"/>
                 </a:solidFill>
@@ -7115,9 +7229,9 @@
                 <a:ea typeface="quote-cjk-patch" pitchFamily="0" charset="0"/>
                 <a:cs typeface="Arial" pitchFamily="0" charset="0"/>
               </a:rPr>
-              <a:t>Project Overview</a:t>
-            </a:r>
-            <a:endParaRPr altLang="zh-CN" baseline="0" b="0" cap="none" sz="4400" i="0" kern="1200" lang="en-US" spc="0" strike="noStrike" u="none">
+              <a:t>End Users</a:t>
+            </a:r>
+            <a:endParaRPr altLang="zh-CN" baseline="0" b="1" cap="none" sz="4400" i="0" kern="1200" lang="en-US" spc="0" strike="noStrike" u="none">
               <a:solidFill>
                 <a:srgbClr val="404040"/>
               </a:solidFill>
@@ -7139,7 +7253,7 @@
               </a:spcAft>
               <a:buNone/>
             </a:pPr>
-            <a:endParaRPr altLang="zh-CN" baseline="0" b="0" cap="none" sz="4400" i="0" kern="1200" lang="en-US" spc="0" strike="noStrike" u="none">
+            <a:endParaRPr altLang="zh-CN" baseline="0" b="1" cap="none" sz="4400" i="0" kern="1200" lang="en-US" spc="0" strike="noStrike" u="none">
               <a:solidFill>
                 <a:srgbClr val="404040"/>
               </a:solidFill>
@@ -7154,12 +7268,13 @@
                 <a:spcPct val="100000"/>
               </a:lnSpc>
               <a:spcBef>
-                <a:spcPts val="600"/>
-              </a:spcBef>
-              <a:spcAft>
-                <a:spcPts val="600"/>
-              </a:spcAft>
-              <a:buNone/>
+                <a:spcPts val="0"/>
+              </a:spcBef>
+              <a:spcAft>
+                <a:spcPts val="0"/>
+              </a:spcAft>
+              <a:buFont typeface="Arial" pitchFamily="0" charset="0"/>
+              <a:buChar char="•"/>
             </a:pPr>
             <a:r>
               <a:rPr altLang="zh-CN" baseline="0" b="0" cap="none" sz="2800" i="0" kern="1200" lang="en-US" spc="0" strike="noStrike" u="none">
@@ -7170,7 +7285,121 @@
                 <a:ea typeface="quote-cjk-patch" pitchFamily="0" charset="0"/>
                 <a:cs typeface="Arial" pitchFamily="0" charset="0"/>
               </a:rPr>
-              <a:t>This project involves creating an intelligent, personalized digital portfolio web application. It goes beyond a simple showcase by integrating analytics to track visitor engagement and a recommendation system that suggests skills to learn based on the user's existing projects and career goals. It is designed to be user-friendly, fully responsive, and data-driven.</a:t>
+              <a:t>Students &amp; Graduates: Primary users who can showcase their work, track portfolio visibility, and receive personalized learning paths.</a:t>
+            </a:r>
+            <a:endParaRPr altLang="zh-CN" baseline="0" b="0" cap="none" sz="2800" i="0" kern="1200" lang="en-US" spc="0" strike="noStrike" u="none">
+              <a:solidFill>
+                <a:srgbClr val="404040"/>
+              </a:solidFill>
+              <a:latin typeface="quote-cjk-patch" pitchFamily="0" charset="0"/>
+              <a:ea typeface="quote-cjk-patch" pitchFamily="0" charset="0"/>
+              <a:cs typeface="Arial" pitchFamily="0" charset="0"/>
+            </a:endParaRPr>
+          </a:p>
+          <a:p>
+            <a:pPr algn="l" indent="0" marL="0">
+              <a:lnSpc>
+                <a:spcPct val="100000"/>
+              </a:lnSpc>
+              <a:spcBef>
+                <a:spcPts val="0"/>
+              </a:spcBef>
+              <a:spcAft>
+                <a:spcPts val="0"/>
+              </a:spcAft>
+              <a:buFont typeface="Arial" pitchFamily="0" charset="0"/>
+              <a:buChar char="•"/>
+            </a:pPr>
+            <a:endParaRPr altLang="zh-CN" baseline="0" b="0" cap="none" sz="2800" i="0" kern="1200" lang="en-US" spc="0" strike="noStrike" u="none">
+              <a:solidFill>
+                <a:srgbClr val="404040"/>
+              </a:solidFill>
+              <a:latin typeface="quote-cjk-patch" pitchFamily="0" charset="0"/>
+              <a:ea typeface="quote-cjk-patch" pitchFamily="0" charset="0"/>
+              <a:cs typeface="Arial" pitchFamily="0" charset="0"/>
+            </a:endParaRPr>
+          </a:p>
+          <a:p>
+            <a:pPr algn="l" indent="0" marL="0">
+              <a:lnSpc>
+                <a:spcPct val="100000"/>
+              </a:lnSpc>
+              <a:spcBef>
+                <a:spcPts val="0"/>
+              </a:spcBef>
+              <a:spcAft>
+                <a:spcPts val="0"/>
+              </a:spcAft>
+              <a:buFont typeface="Arial" pitchFamily="0" charset="0"/>
+              <a:buChar char="•"/>
+            </a:pPr>
+            <a:r>
+              <a:rPr altLang="zh-CN" baseline="0" b="0" cap="none" sz="2800" i="0" kern="1200" lang="en-US" spc="0" strike="noStrike" u="none">
+                <a:solidFill>
+                  <a:srgbClr val="404040"/>
+                </a:solidFill>
+                <a:latin typeface="quote-cjk-patch" pitchFamily="0" charset="0"/>
+                <a:ea typeface="quote-cjk-patch" pitchFamily="0" charset="0"/>
+                <a:cs typeface="Arial" pitchFamily="0" charset="0"/>
+              </a:rPr>
+              <a:t>Recruiters &amp; HR Professionals: Benefit from a standardized, comprehensive view of a candidate's abilities, including project demos and verified skill analytics.</a:t>
+            </a:r>
+            <a:endParaRPr altLang="zh-CN" baseline="0" b="0" cap="none" sz="2800" i="0" kern="1200" lang="en-US" spc="0" strike="noStrike" u="none">
+              <a:solidFill>
+                <a:srgbClr val="404040"/>
+              </a:solidFill>
+              <a:latin typeface="quote-cjk-patch" pitchFamily="0" charset="0"/>
+              <a:ea typeface="quote-cjk-patch" pitchFamily="0" charset="0"/>
+              <a:cs typeface="Arial" pitchFamily="0" charset="0"/>
+            </a:endParaRPr>
+          </a:p>
+          <a:p>
+            <a:pPr algn="l" indent="0" marL="0">
+              <a:lnSpc>
+                <a:spcPct val="100000"/>
+              </a:lnSpc>
+              <a:spcBef>
+                <a:spcPts val="0"/>
+              </a:spcBef>
+              <a:spcAft>
+                <a:spcPts val="0"/>
+              </a:spcAft>
+              <a:buFont typeface="Arial" pitchFamily="0" charset="0"/>
+              <a:buChar char="•"/>
+            </a:pPr>
+            <a:endParaRPr altLang="zh-CN" baseline="0" b="0" cap="none" sz="2800" i="0" kern="1200" lang="en-US" spc="0" strike="noStrike" u="none">
+              <a:solidFill>
+                <a:srgbClr val="404040"/>
+              </a:solidFill>
+              <a:latin typeface="quote-cjk-patch" pitchFamily="0" charset="0"/>
+              <a:ea typeface="quote-cjk-patch" pitchFamily="0" charset="0"/>
+              <a:cs typeface="Arial" pitchFamily="0" charset="0"/>
+            </a:endParaRPr>
+          </a:p>
+          <a:p>
+            <a:pPr algn="l" indent="0" marL="0">
+              <a:lnSpc>
+                <a:spcPct val="100000"/>
+              </a:lnSpc>
+              <a:spcBef>
+                <a:spcPts val="0"/>
+              </a:spcBef>
+              <a:spcAft>
+                <a:spcPts val="0"/>
+              </a:spcAft>
+              <a:buFont typeface="Arial" pitchFamily="0" charset="0"/>
+              <a:buChar char="•"/>
+            </a:pPr>
+            <a:r>
+              <a:rPr altLang="zh-CN" baseline="0" b="0" cap="none" sz="2800" i="0" kern="1200" lang="en-US" spc="0" strike="noStrike" u="none">
+                <a:solidFill>
+                  <a:srgbClr val="404040"/>
+                </a:solidFill>
+                <a:latin typeface="quote-cjk-patch" pitchFamily="0" charset="0"/>
+                <a:ea typeface="quote-cjk-patch" pitchFamily="0" charset="0"/>
+                <a:cs typeface="Arial" pitchFamily="0" charset="0"/>
+              </a:rPr>
+              <a:t>Academic Institutions &amp; Mentors: Can use the platform to track student progress over time and guide them based on data-driven skill recommendations.</a:t>
             </a:r>
             <a:endParaRPr altLang="en-US" baseline="0" b="0" cap="none" sz="2800" i="0" kern="1200" lang="zh-CN" spc="0" strike="noStrike" u="none">
               <a:solidFill>
@@ -7191,7 +7420,7 @@
 </p:sld>
 </file>
 
-<file path=ppt/slides/slide6.xml><?xml version="1.0" encoding="utf-8"?>
+<file path=ppt/slides/slide7.xml><?xml version="1.0" encoding="utf-8"?>
 <p:sld xmlns:a="http://schemas.openxmlformats.org/drawingml/2006/main" xmlns:r="http://schemas.openxmlformats.org/officeDocument/2006/relationships" xmlns:p="http://schemas.openxmlformats.org/presentationml/2006/main">
   <p:cSld>
     <p:bg>
@@ -7223,8 +7452,8 @@
         </p:nvSpPr>
         <p:spPr>
           <a:xfrm rot="0">
-            <a:off x="0" y="186690"/>
-            <a:ext cx="12109450" cy="6872605"/>
+            <a:off x="71120" y="0"/>
+            <a:ext cx="12120880" cy="6858000"/>
           </a:xfrm>
           <a:prstGeom prst="rect"/>
           <a:noFill/>
@@ -7260,7 +7489,7 @@
                 <a:ea typeface="quote-cjk-patch" pitchFamily="0" charset="0"/>
                 <a:cs typeface="Arial" pitchFamily="0" charset="0"/>
               </a:rPr>
-              <a:t>End Users</a:t>
+              <a:t>Tools &amp; Technologies</a:t>
             </a:r>
             <a:endParaRPr altLang="zh-CN" baseline="0" b="1" cap="none" sz="4400" i="0" kern="1200" lang="en-US" spc="0" strike="noStrike" u="none">
               <a:solidFill>
@@ -7316,31 +7545,8 @@
                 <a:ea typeface="quote-cjk-patch" pitchFamily="0" charset="0"/>
                 <a:cs typeface="Arial" pitchFamily="0" charset="0"/>
               </a:rPr>
-              <a:t>Students &amp; Graduates: Primary users who can showcase their work, track portfolio visibility, and receive personalized learning paths.</a:t>
-            </a:r>
-            <a:endParaRPr altLang="zh-CN" baseline="0" b="0" cap="none" sz="2800" i="0" kern="1200" lang="en-US" spc="0" strike="noStrike" u="none">
-              <a:solidFill>
-                <a:srgbClr val="404040"/>
-              </a:solidFill>
-              <a:latin typeface="quote-cjk-patch" pitchFamily="0" charset="0"/>
-              <a:ea typeface="quote-cjk-patch" pitchFamily="0" charset="0"/>
-              <a:cs typeface="Arial" pitchFamily="0" charset="0"/>
-            </a:endParaRPr>
-          </a:p>
-          <a:p>
-            <a:pPr algn="l" indent="0" marL="0">
-              <a:lnSpc>
-                <a:spcPct val="100000"/>
-              </a:lnSpc>
-              <a:spcBef>
-                <a:spcPts val="0"/>
-              </a:spcBef>
-              <a:spcAft>
-                <a:spcPts val="0"/>
-              </a:spcAft>
-              <a:buFont typeface="Arial" pitchFamily="0" charset="0"/>
-              <a:buChar char="•"/>
-            </a:pPr>
+              <a:t>Frontend: HTML5, CSS3, JavaScript (React.js / Next.js)</a:t>
+            </a:r>
             <a:endParaRPr altLang="zh-CN" baseline="0" b="0" cap="none" sz="2800" i="0" kern="1200" lang="en-US" spc="0" strike="noStrike" u="none">
               <a:solidFill>
                 <a:srgbClr val="404040"/>
@@ -7373,31 +7579,8 @@
                 <a:ea typeface="quote-cjk-patch" pitchFamily="0" charset="0"/>
                 <a:cs typeface="Arial" pitchFamily="0" charset="0"/>
               </a:rPr>
-              <a:t>Recruiters &amp; HR Professionals: Benefit from a standardized, comprehensive view of a candidate's abilities, including project demos and verified skill analytics.</a:t>
-            </a:r>
-            <a:endParaRPr altLang="zh-CN" baseline="0" b="0" cap="none" sz="2800" i="0" kern="1200" lang="en-US" spc="0" strike="noStrike" u="none">
-              <a:solidFill>
-                <a:srgbClr val="404040"/>
-              </a:solidFill>
-              <a:latin typeface="quote-cjk-patch" pitchFamily="0" charset="0"/>
-              <a:ea typeface="quote-cjk-patch" pitchFamily="0" charset="0"/>
-              <a:cs typeface="Arial" pitchFamily="0" charset="0"/>
-            </a:endParaRPr>
-          </a:p>
-          <a:p>
-            <a:pPr algn="l" indent="0" marL="0">
-              <a:lnSpc>
-                <a:spcPct val="100000"/>
-              </a:lnSpc>
-              <a:spcBef>
-                <a:spcPts val="0"/>
-              </a:spcBef>
-              <a:spcAft>
-                <a:spcPts val="0"/>
-              </a:spcAft>
-              <a:buFont typeface="Arial" pitchFamily="0" charset="0"/>
-              <a:buChar char="•"/>
-            </a:pPr>
+              <a:t>Backend: Node.js with Express.js</a:t>
+            </a:r>
             <a:endParaRPr altLang="zh-CN" baseline="0" b="0" cap="none" sz="2800" i="0" kern="1200" lang="en-US" spc="0" strike="noStrike" u="none">
               <a:solidFill>
                 <a:srgbClr val="404040"/>
@@ -7430,7 +7613,109 @@
                 <a:ea typeface="quote-cjk-patch" pitchFamily="0" charset="0"/>
                 <a:cs typeface="Arial" pitchFamily="0" charset="0"/>
               </a:rPr>
-              <a:t>Academic Institutions &amp; Mentors: Can use the platform to track student progress over time and guide them based on data-driven skill recommendations.</a:t>
+              <a:t>Database: MongoDB (for flexible data storage)</a:t>
+            </a:r>
+            <a:endParaRPr altLang="zh-CN" baseline="0" b="0" cap="none" sz="2800" i="0" kern="1200" lang="en-US" spc="0" strike="noStrike" u="none">
+              <a:solidFill>
+                <a:srgbClr val="404040"/>
+              </a:solidFill>
+              <a:latin typeface="quote-cjk-patch" pitchFamily="0" charset="0"/>
+              <a:ea typeface="quote-cjk-patch" pitchFamily="0" charset="0"/>
+              <a:cs typeface="Arial" pitchFamily="0" charset="0"/>
+            </a:endParaRPr>
+          </a:p>
+          <a:p>
+            <a:pPr algn="l" indent="0" marL="0">
+              <a:lnSpc>
+                <a:spcPct val="100000"/>
+              </a:lnSpc>
+              <a:spcBef>
+                <a:spcPts val="0"/>
+              </a:spcBef>
+              <a:spcAft>
+                <a:spcPts val="0"/>
+              </a:spcAft>
+              <a:buFont typeface="Arial" pitchFamily="0" charset="0"/>
+              <a:buChar char="•"/>
+            </a:pPr>
+            <a:r>
+              <a:rPr altLang="zh-CN" baseline="0" b="0" cap="none" sz="2800" i="0" kern="1200" lang="en-US" spc="0" strike="noStrike" u="none">
+                <a:solidFill>
+                  <a:srgbClr val="404040"/>
+                </a:solidFill>
+                <a:latin typeface="quote-cjk-patch" pitchFamily="0" charset="0"/>
+                <a:ea typeface="quote-cjk-patch" pitchFamily="0" charset="0"/>
+                <a:cs typeface="Arial" pitchFamily="0" charset="0"/>
+              </a:rPr>
+              <a:t>Analytics Engine: Python (Pandas, NumPy) for processing visitor data</a:t>
+            </a:r>
+            <a:endParaRPr altLang="zh-CN" baseline="0" b="0" cap="none" sz="2800" i="0" kern="1200" lang="en-US" spc="0" strike="noStrike" u="none">
+              <a:solidFill>
+                <a:srgbClr val="404040"/>
+              </a:solidFill>
+              <a:latin typeface="quote-cjk-patch" pitchFamily="0" charset="0"/>
+              <a:ea typeface="quote-cjk-patch" pitchFamily="0" charset="0"/>
+              <a:cs typeface="Arial" pitchFamily="0" charset="0"/>
+            </a:endParaRPr>
+          </a:p>
+          <a:p>
+            <a:pPr algn="l" indent="0" marL="0">
+              <a:lnSpc>
+                <a:spcPct val="100000"/>
+              </a:lnSpc>
+              <a:spcBef>
+                <a:spcPts val="0"/>
+              </a:spcBef>
+              <a:spcAft>
+                <a:spcPts val="0"/>
+              </a:spcAft>
+              <a:buFont typeface="Arial" pitchFamily="0" charset="0"/>
+              <a:buChar char="•"/>
+            </a:pPr>
+            <a:r>
+              <a:rPr altLang="zh-CN" baseline="0" b="0" cap="none" sz="2800" i="0" kern="1200" lang="en-US" spc="0" strike="noStrike" u="none">
+                <a:solidFill>
+                  <a:srgbClr val="404040"/>
+                </a:solidFill>
+                <a:latin typeface="quote-cjk-patch" pitchFamily="0" charset="0"/>
+                <a:ea typeface="quote-cjk-patch" pitchFamily="0" charset="0"/>
+                <a:cs typeface="Arial" pitchFamily="0" charset="0"/>
+              </a:rPr>
+              <a:t>Recommendation System: A machine learning model (e.g., collaborative filtering) or a rules-based engine integrated via API.</a:t>
+            </a:r>
+            <a:endParaRPr altLang="zh-CN" baseline="0" b="0" cap="none" sz="2800" i="0" kern="1200" lang="en-US" spc="0" strike="noStrike" u="none">
+              <a:solidFill>
+                <a:srgbClr val="404040"/>
+              </a:solidFill>
+              <a:latin typeface="quote-cjk-patch" pitchFamily="0" charset="0"/>
+              <a:ea typeface="quote-cjk-patch" pitchFamily="0" charset="0"/>
+              <a:cs typeface="Arial" pitchFamily="0" charset="0"/>
+            </a:endParaRPr>
+          </a:p>
+          <a:p>
+            <a:pPr algn="l" indent="0" marL="0">
+              <a:lnSpc>
+                <a:spcPct val="100000"/>
+              </a:lnSpc>
+              <a:spcBef>
+                <a:spcPts val="0"/>
+              </a:spcBef>
+              <a:spcAft>
+                <a:spcPts val="0"/>
+              </a:spcAft>
+              <a:buFont typeface="Arial" pitchFamily="0" charset="0"/>
+              <a:buChar char="•"/>
+            </a:pPr>
+            <a:r>
+              <a:rPr altLang="zh-CN" baseline="0" b="0" cap="none" sz="2800" i="0" kern="1200" lang="en-US" spc="0" strike="noStrike" u="none">
+                <a:solidFill>
+                  <a:srgbClr val="404040"/>
+                </a:solidFill>
+                <a:latin typeface="quote-cjk-patch" pitchFamily="0" charset="0"/>
+                <a:ea typeface="quote-cjk-patch" pitchFamily="0" charset="0"/>
+                <a:cs typeface="Arial" pitchFamily="0" charset="0"/>
+              </a:rPr>
+              <a:t>Version Control &amp; Deployment: GitHub, Vercel/Netlify/Heroku</a:t>
             </a:r>
             <a:endParaRPr altLang="en-US" baseline="0" b="0" cap="none" sz="2800" i="0" kern="1200" lang="zh-CN" spc="0" strike="noStrike" u="none">
               <a:solidFill>
@@ -7451,7 +7736,7 @@
 </p:sld>
 </file>
 
-<file path=ppt/slides/slide7.xml><?xml version="1.0" encoding="utf-8"?>
+<file path=ppt/slides/slide8.xml><?xml version="1.0" encoding="utf-8"?>
 <p:sld xmlns:a="http://schemas.openxmlformats.org/drawingml/2006/main" xmlns:r="http://schemas.openxmlformats.org/officeDocument/2006/relationships" xmlns:p="http://schemas.openxmlformats.org/presentationml/2006/main">
   <p:cSld>
     <p:bg>
@@ -7478,322 +7763,6 @@
       <p:sp>
         <p:nvSpPr>
           <p:cNvPr id="1048627" name="矩形"/>
-          <p:cNvSpPr/>
-          <p:nvPr/>
-        </p:nvSpPr>
-        <p:spPr>
-          <a:xfrm rot="0">
-            <a:off x="71120" y="0"/>
-            <a:ext cx="12120880" cy="6858000"/>
-          </a:xfrm>
-          <a:prstGeom prst="rect"/>
-          <a:noFill/>
-          <a:ln w="12700" cap="flat" cmpd="sng">
-            <a:noFill/>
-            <a:prstDash val="solid"/>
-            <a:miter/>
-          </a:ln>
-        </p:spPr>
-        <p:txBody>
-          <a:bodyPr anchor="t" anchorCtr="0" bIns="45720" lIns="91440" rIns="91440" tIns="45720" vert="horz" wrap="square">
-            <a:prstTxWarp prst="textNoShape"/>
-          </a:bodyPr>
-          <a:p>
-            <a:pPr algn="ctr" indent="0" marL="0">
-              <a:lnSpc>
-                <a:spcPct val="100000"/>
-              </a:lnSpc>
-              <a:spcBef>
-                <a:spcPts val="900"/>
-              </a:spcBef>
-              <a:spcAft>
-                <a:spcPts val="600"/>
-              </a:spcAft>
-              <a:buNone/>
-            </a:pPr>
-            <a:r>
-              <a:rPr altLang="zh-CN" baseline="0" b="1" cap="none" sz="4400" i="0" kern="1200" lang="en-US" spc="0" strike="noStrike" u="none">
-                <a:solidFill>
-                  <a:srgbClr val="404040"/>
-                </a:solidFill>
-                <a:latin typeface="quote-cjk-patch" pitchFamily="0" charset="0"/>
-                <a:ea typeface="quote-cjk-patch" pitchFamily="0" charset="0"/>
-                <a:cs typeface="Arial" pitchFamily="0" charset="0"/>
-              </a:rPr>
-              <a:t>Tools &amp; Technologies</a:t>
-            </a:r>
-            <a:endParaRPr altLang="zh-CN" baseline="0" b="1" cap="none" sz="4400" i="0" kern="1200" lang="en-US" spc="0" strike="noStrike" u="none">
-              <a:solidFill>
-                <a:srgbClr val="404040"/>
-              </a:solidFill>
-              <a:latin typeface="quote-cjk-patch" pitchFamily="0" charset="0"/>
-              <a:ea typeface="quote-cjk-patch" pitchFamily="0" charset="0"/>
-              <a:cs typeface="Arial" pitchFamily="0" charset="0"/>
-            </a:endParaRPr>
-          </a:p>
-          <a:p>
-            <a:pPr algn="ctr" indent="0" marL="0">
-              <a:lnSpc>
-                <a:spcPct val="100000"/>
-              </a:lnSpc>
-              <a:spcBef>
-                <a:spcPts val="900"/>
-              </a:spcBef>
-              <a:spcAft>
-                <a:spcPts val="600"/>
-              </a:spcAft>
-              <a:buNone/>
-            </a:pPr>
-            <a:endParaRPr altLang="zh-CN" baseline="0" b="1" cap="none" sz="4400" i="0" kern="1200" lang="en-US" spc="0" strike="noStrike" u="none">
-              <a:solidFill>
-                <a:srgbClr val="404040"/>
-              </a:solidFill>
-              <a:latin typeface="quote-cjk-patch" pitchFamily="0" charset="0"/>
-              <a:ea typeface="quote-cjk-patch" pitchFamily="0" charset="0"/>
-              <a:cs typeface="Arial" pitchFamily="0" charset="0"/>
-            </a:endParaRPr>
-          </a:p>
-          <a:p>
-            <a:pPr algn="l" indent="0" marL="0">
-              <a:lnSpc>
-                <a:spcPct val="100000"/>
-              </a:lnSpc>
-              <a:spcBef>
-                <a:spcPts val="0"/>
-              </a:spcBef>
-              <a:spcAft>
-                <a:spcPts val="0"/>
-              </a:spcAft>
-              <a:buFont typeface="Arial" pitchFamily="0" charset="0"/>
-              <a:buChar char="•"/>
-            </a:pPr>
-            <a:r>
-              <a:rPr altLang="zh-CN" baseline="0" b="0" cap="none" sz="2800" i="0" kern="1200" lang="en-US" spc="0" strike="noStrike" u="none">
-                <a:solidFill>
-                  <a:srgbClr val="404040"/>
-                </a:solidFill>
-                <a:latin typeface="quote-cjk-patch" pitchFamily="0" charset="0"/>
-                <a:ea typeface="quote-cjk-patch" pitchFamily="0" charset="0"/>
-                <a:cs typeface="Arial" pitchFamily="0" charset="0"/>
-              </a:rPr>
-              <a:t>Frontend: HTML5, CSS3, JavaScript (React.js / Next.js)</a:t>
-            </a:r>
-            <a:endParaRPr altLang="zh-CN" baseline="0" b="0" cap="none" sz="2800" i="0" kern="1200" lang="en-US" spc="0" strike="noStrike" u="none">
-              <a:solidFill>
-                <a:srgbClr val="404040"/>
-              </a:solidFill>
-              <a:latin typeface="quote-cjk-patch" pitchFamily="0" charset="0"/>
-              <a:ea typeface="quote-cjk-patch" pitchFamily="0" charset="0"/>
-              <a:cs typeface="Arial" pitchFamily="0" charset="0"/>
-            </a:endParaRPr>
-          </a:p>
-          <a:p>
-            <a:pPr algn="l" indent="0" marL="0">
-              <a:lnSpc>
-                <a:spcPct val="100000"/>
-              </a:lnSpc>
-              <a:spcBef>
-                <a:spcPts val="0"/>
-              </a:spcBef>
-              <a:spcAft>
-                <a:spcPts val="0"/>
-              </a:spcAft>
-              <a:buFont typeface="Arial" pitchFamily="0" charset="0"/>
-              <a:buChar char="•"/>
-            </a:pPr>
-            <a:r>
-              <a:rPr altLang="zh-CN" baseline="0" b="0" cap="none" sz="2800" i="0" kern="1200" lang="en-US" spc="0" strike="noStrike" u="none">
-                <a:solidFill>
-                  <a:srgbClr val="404040"/>
-                </a:solidFill>
-                <a:latin typeface="quote-cjk-patch" pitchFamily="0" charset="0"/>
-                <a:ea typeface="quote-cjk-patch" pitchFamily="0" charset="0"/>
-                <a:cs typeface="Arial" pitchFamily="0" charset="0"/>
-              </a:rPr>
-              <a:t>Backend: Node.js with Express.js</a:t>
-            </a:r>
-            <a:endParaRPr altLang="zh-CN" baseline="0" b="0" cap="none" sz="2800" i="0" kern="1200" lang="en-US" spc="0" strike="noStrike" u="none">
-              <a:solidFill>
-                <a:srgbClr val="404040"/>
-              </a:solidFill>
-              <a:latin typeface="quote-cjk-patch" pitchFamily="0" charset="0"/>
-              <a:ea typeface="quote-cjk-patch" pitchFamily="0" charset="0"/>
-              <a:cs typeface="Arial" pitchFamily="0" charset="0"/>
-            </a:endParaRPr>
-          </a:p>
-          <a:p>
-            <a:pPr algn="l" indent="0" marL="0">
-              <a:lnSpc>
-                <a:spcPct val="100000"/>
-              </a:lnSpc>
-              <a:spcBef>
-                <a:spcPts val="0"/>
-              </a:spcBef>
-              <a:spcAft>
-                <a:spcPts val="0"/>
-              </a:spcAft>
-              <a:buFont typeface="Arial" pitchFamily="0" charset="0"/>
-              <a:buChar char="•"/>
-            </a:pPr>
-            <a:r>
-              <a:rPr altLang="zh-CN" baseline="0" b="0" cap="none" sz="2800" i="0" kern="1200" lang="en-US" spc="0" strike="noStrike" u="none">
-                <a:solidFill>
-                  <a:srgbClr val="404040"/>
-                </a:solidFill>
-                <a:latin typeface="quote-cjk-patch" pitchFamily="0" charset="0"/>
-                <a:ea typeface="quote-cjk-patch" pitchFamily="0" charset="0"/>
-                <a:cs typeface="Arial" pitchFamily="0" charset="0"/>
-              </a:rPr>
-              <a:t>Database: MongoDB (for flexible data storage)</a:t>
-            </a:r>
-            <a:endParaRPr altLang="zh-CN" baseline="0" b="0" cap="none" sz="2800" i="0" kern="1200" lang="en-US" spc="0" strike="noStrike" u="none">
-              <a:solidFill>
-                <a:srgbClr val="404040"/>
-              </a:solidFill>
-              <a:latin typeface="quote-cjk-patch" pitchFamily="0" charset="0"/>
-              <a:ea typeface="quote-cjk-patch" pitchFamily="0" charset="0"/>
-              <a:cs typeface="Arial" pitchFamily="0" charset="0"/>
-            </a:endParaRPr>
-          </a:p>
-          <a:p>
-            <a:pPr algn="l" indent="0" marL="0">
-              <a:lnSpc>
-                <a:spcPct val="100000"/>
-              </a:lnSpc>
-              <a:spcBef>
-                <a:spcPts val="0"/>
-              </a:spcBef>
-              <a:spcAft>
-                <a:spcPts val="0"/>
-              </a:spcAft>
-              <a:buFont typeface="Arial" pitchFamily="0" charset="0"/>
-              <a:buChar char="•"/>
-            </a:pPr>
-            <a:r>
-              <a:rPr altLang="zh-CN" baseline="0" b="0" cap="none" sz="2800" i="0" kern="1200" lang="en-US" spc="0" strike="noStrike" u="none">
-                <a:solidFill>
-                  <a:srgbClr val="404040"/>
-                </a:solidFill>
-                <a:latin typeface="quote-cjk-patch" pitchFamily="0" charset="0"/>
-                <a:ea typeface="quote-cjk-patch" pitchFamily="0" charset="0"/>
-                <a:cs typeface="Arial" pitchFamily="0" charset="0"/>
-              </a:rPr>
-              <a:t>Analytics Engine: Python (Pandas, NumPy) for processing visitor data</a:t>
-            </a:r>
-            <a:endParaRPr altLang="zh-CN" baseline="0" b="0" cap="none" sz="2800" i="0" kern="1200" lang="en-US" spc="0" strike="noStrike" u="none">
-              <a:solidFill>
-                <a:srgbClr val="404040"/>
-              </a:solidFill>
-              <a:latin typeface="quote-cjk-patch" pitchFamily="0" charset="0"/>
-              <a:ea typeface="quote-cjk-patch" pitchFamily="0" charset="0"/>
-              <a:cs typeface="Arial" pitchFamily="0" charset="0"/>
-            </a:endParaRPr>
-          </a:p>
-          <a:p>
-            <a:pPr algn="l" indent="0" marL="0">
-              <a:lnSpc>
-                <a:spcPct val="100000"/>
-              </a:lnSpc>
-              <a:spcBef>
-                <a:spcPts val="0"/>
-              </a:spcBef>
-              <a:spcAft>
-                <a:spcPts val="0"/>
-              </a:spcAft>
-              <a:buFont typeface="Arial" pitchFamily="0" charset="0"/>
-              <a:buChar char="•"/>
-            </a:pPr>
-            <a:r>
-              <a:rPr altLang="zh-CN" baseline="0" b="0" cap="none" sz="2800" i="0" kern="1200" lang="en-US" spc="0" strike="noStrike" u="none">
-                <a:solidFill>
-                  <a:srgbClr val="404040"/>
-                </a:solidFill>
-                <a:latin typeface="quote-cjk-patch" pitchFamily="0" charset="0"/>
-                <a:ea typeface="quote-cjk-patch" pitchFamily="0" charset="0"/>
-                <a:cs typeface="Arial" pitchFamily="0" charset="0"/>
-              </a:rPr>
-              <a:t>Recommendation System: A machine learning model (e.g., collaborative filtering) or a rules-based engine integrated via API.</a:t>
-            </a:r>
-            <a:endParaRPr altLang="zh-CN" baseline="0" b="0" cap="none" sz="2800" i="0" kern="1200" lang="en-US" spc="0" strike="noStrike" u="none">
-              <a:solidFill>
-                <a:srgbClr val="404040"/>
-              </a:solidFill>
-              <a:latin typeface="quote-cjk-patch" pitchFamily="0" charset="0"/>
-              <a:ea typeface="quote-cjk-patch" pitchFamily="0" charset="0"/>
-              <a:cs typeface="Arial" pitchFamily="0" charset="0"/>
-            </a:endParaRPr>
-          </a:p>
-          <a:p>
-            <a:pPr algn="l" indent="0" marL="0">
-              <a:lnSpc>
-                <a:spcPct val="100000"/>
-              </a:lnSpc>
-              <a:spcBef>
-                <a:spcPts val="0"/>
-              </a:spcBef>
-              <a:spcAft>
-                <a:spcPts val="0"/>
-              </a:spcAft>
-              <a:buFont typeface="Arial" pitchFamily="0" charset="0"/>
-              <a:buChar char="•"/>
-            </a:pPr>
-            <a:r>
-              <a:rPr altLang="zh-CN" baseline="0" b="0" cap="none" sz="2800" i="0" kern="1200" lang="en-US" spc="0" strike="noStrike" u="none">
-                <a:solidFill>
-                  <a:srgbClr val="404040"/>
-                </a:solidFill>
-                <a:latin typeface="quote-cjk-patch" pitchFamily="0" charset="0"/>
-                <a:ea typeface="quote-cjk-patch" pitchFamily="0" charset="0"/>
-                <a:cs typeface="Arial" pitchFamily="0" charset="0"/>
-              </a:rPr>
-              <a:t>Version Control &amp; Deployment: GitHub, Vercel/Netlify/Heroku</a:t>
-            </a:r>
-            <a:endParaRPr altLang="en-US" baseline="0" b="0" cap="none" sz="2800" i="0" kern="1200" lang="zh-CN" spc="0" strike="noStrike" u="none">
-              <a:solidFill>
-                <a:srgbClr val="404040"/>
-              </a:solidFill>
-              <a:latin typeface="quote-cjk-patch" pitchFamily="0" charset="0"/>
-              <a:ea typeface="quote-cjk-patch" pitchFamily="0" charset="0"/>
-              <a:cs typeface="Arial" pitchFamily="0" charset="0"/>
-            </a:endParaRPr>
-          </a:p>
-        </p:txBody>
-      </p:sp>
-    </p:spTree>
-  </p:cSld>
-  <p:clrMapOvr>
-    <a:masterClrMapping/>
-  </p:clrMapOvr>
-</p:sld>
-</file>
-
-<file path=ppt/slides/slide8.xml><?xml version="1.0" encoding="utf-8"?>
-<p:sld xmlns:a="http://schemas.openxmlformats.org/drawingml/2006/main" xmlns:r="http://schemas.openxmlformats.org/officeDocument/2006/relationships" xmlns:p="http://schemas.openxmlformats.org/presentationml/2006/main">
-  <p:cSld>
-    <p:bg>
-      <p:bgPr>
-        <a:solidFill>
-          <a:schemeClr val="bg1"/>
-        </a:solidFill>
-      </p:bgPr>
-    </p:bg>
-    <p:spTree>
-      <p:nvGrpSpPr>
-        <p:cNvPr id="40" name=""/>
-        <p:cNvGrpSpPr/>
-        <p:nvPr/>
-      </p:nvGrpSpPr>
-      <p:grpSpPr>
-        <a:xfrm>
-          <a:off x="0" y="0"/>
-          <a:ext cx="0" cy="0"/>
-          <a:chOff x="0" y="0"/>
-          <a:chExt cx="0" cy="0"/>
-        </a:xfrm>
-      </p:grpSpPr>
-      <p:sp>
-        <p:nvSpPr>
-          <p:cNvPr id="1048599" name="矩形"/>
           <p:cNvSpPr/>
           <p:nvPr/>
         </p:nvSpPr>
